--- a/PAPERWORK/组会PPT/第一次组会.pptx
+++ b/PAPERWORK/组会PPT/第一次组会.pptx
@@ -4,12 +4,17 @@
   <p:sldMasterIdLst>
     <p:sldMasterId id="2147483696" r:id="rId1"/>
   </p:sldMasterIdLst>
+  <p:notesMasterIdLst>
+    <p:notesMasterId r:id="rId9"/>
+  </p:notesMasterIdLst>
   <p:sldIdLst>
     <p:sldId id="256" r:id="rId2"/>
     <p:sldId id="257" r:id="rId3"/>
     <p:sldId id="258" r:id="rId4"/>
     <p:sldId id="259" r:id="rId5"/>
-    <p:sldId id="260" r:id="rId6"/>
+    <p:sldId id="261" r:id="rId6"/>
+    <p:sldId id="260" r:id="rId7"/>
+    <p:sldId id="262" r:id="rId8"/>
   </p:sldIdLst>
   <p:sldSz cx="12192000" cy="6858000"/>
   <p:notesSz cx="6858000" cy="9144000"/>
@@ -108,7 +113,697 @@
       </a:defRPr>
     </a:lvl9pPr>
   </p:defaultTextStyle>
+  <p:extLst>
+    <p:ext uri="{EFAFB233-063F-42B5-8137-9DF3F51BA10A}">
+      <p15:sldGuideLst xmlns:p15="http://schemas.microsoft.com/office/powerpoint/2012/main"/>
+    </p:ext>
+  </p:extLst>
 </p:presentation>
+</file>
+
+<file path=ppt/notesMasters/notesMaster1.xml><?xml version="1.0" encoding="utf-8"?>
+<p:notesMaster xmlns:a="http://schemas.openxmlformats.org/drawingml/2006/main" xmlns:r="http://schemas.openxmlformats.org/officeDocument/2006/relationships" xmlns:p="http://schemas.openxmlformats.org/presentationml/2006/main">
+  <p:cSld>
+    <p:bg>
+      <p:bgRef idx="1001">
+        <a:schemeClr val="bg1"/>
+      </p:bgRef>
+    </p:bg>
+    <p:spTree>
+      <p:nvGrpSpPr>
+        <p:cNvPr id="1" name=""/>
+        <p:cNvGrpSpPr/>
+        <p:nvPr/>
+      </p:nvGrpSpPr>
+      <p:grpSpPr>
+        <a:xfrm>
+          <a:off x="0" y="0"/>
+          <a:ext cx="0" cy="0"/>
+          <a:chOff x="0" y="0"/>
+          <a:chExt cx="0" cy="0"/>
+        </a:xfrm>
+      </p:grpSpPr>
+      <p:sp>
+        <p:nvSpPr>
+          <p:cNvPr id="2" name="Header Placeholder 1"/>
+          <p:cNvSpPr>
+            <a:spLocks noGrp="1"/>
+          </p:cNvSpPr>
+          <p:nvPr>
+            <p:ph type="hdr" sz="quarter"/>
+          </p:nvPr>
+        </p:nvSpPr>
+        <p:spPr>
+          <a:xfrm>
+            <a:off x="0" y="0"/>
+            <a:ext cx="2971800" cy="458788"/>
+          </a:xfrm>
+          <a:prstGeom prst="rect">
+            <a:avLst/>
+          </a:prstGeom>
+        </p:spPr>
+        <p:txBody>
+          <a:bodyPr vert="horz" lIns="91440" tIns="45720" rIns="91440" bIns="45720" rtlCol="0"/>
+          <a:lstStyle>
+            <a:lvl1pPr algn="l">
+              <a:defRPr sz="1200"/>
+            </a:lvl1pPr>
+          </a:lstStyle>
+          <a:p>
+            <a:endParaRPr lang="en-CN"/>
+          </a:p>
+        </p:txBody>
+      </p:sp>
+      <p:sp>
+        <p:nvSpPr>
+          <p:cNvPr id="3" name="Date Placeholder 2"/>
+          <p:cNvSpPr>
+            <a:spLocks noGrp="1"/>
+          </p:cNvSpPr>
+          <p:nvPr>
+            <p:ph type="dt" idx="1"/>
+          </p:nvPr>
+        </p:nvSpPr>
+        <p:spPr>
+          <a:xfrm>
+            <a:off x="3884613" y="0"/>
+            <a:ext cx="2971800" cy="458788"/>
+          </a:xfrm>
+          <a:prstGeom prst="rect">
+            <a:avLst/>
+          </a:prstGeom>
+        </p:spPr>
+        <p:txBody>
+          <a:bodyPr vert="horz" lIns="91440" tIns="45720" rIns="91440" bIns="45720" rtlCol="0"/>
+          <a:lstStyle>
+            <a:lvl1pPr algn="r">
+              <a:defRPr sz="1200"/>
+            </a:lvl1pPr>
+          </a:lstStyle>
+          <a:p>
+            <a:fld id="{819D9535-0212-684B-A2CC-9B55B79E88FD}" type="datetimeFigureOut">
+              <a:rPr lang="en-CN" smtClean="0"/>
+              <a:t>2023/3/3</a:t>
+            </a:fld>
+            <a:endParaRPr lang="en-CN"/>
+          </a:p>
+        </p:txBody>
+      </p:sp>
+      <p:sp>
+        <p:nvSpPr>
+          <p:cNvPr id="4" name="Slide Image Placeholder 3"/>
+          <p:cNvSpPr>
+            <a:spLocks noGrp="1" noRot="1" noChangeAspect="1"/>
+          </p:cNvSpPr>
+          <p:nvPr>
+            <p:ph type="sldImg" idx="2"/>
+          </p:nvPr>
+        </p:nvSpPr>
+        <p:spPr>
+          <a:xfrm>
+            <a:off x="685800" y="1143000"/>
+            <a:ext cx="5486400" cy="3086100"/>
+          </a:xfrm>
+          <a:prstGeom prst="rect">
+            <a:avLst/>
+          </a:prstGeom>
+          <a:noFill/>
+          <a:ln w="12700">
+            <a:solidFill>
+              <a:prstClr val="black"/>
+            </a:solidFill>
+          </a:ln>
+        </p:spPr>
+        <p:txBody>
+          <a:bodyPr vert="horz" lIns="91440" tIns="45720" rIns="91440" bIns="45720" rtlCol="0" anchor="ctr"/>
+          <a:lstStyle/>
+          <a:p>
+            <a:endParaRPr lang="en-CN"/>
+          </a:p>
+        </p:txBody>
+      </p:sp>
+      <p:sp>
+        <p:nvSpPr>
+          <p:cNvPr id="5" name="Notes Placeholder 4"/>
+          <p:cNvSpPr>
+            <a:spLocks noGrp="1"/>
+          </p:cNvSpPr>
+          <p:nvPr>
+            <p:ph type="body" sz="quarter" idx="3"/>
+          </p:nvPr>
+        </p:nvSpPr>
+        <p:spPr>
+          <a:xfrm>
+            <a:off x="685800" y="4400550"/>
+            <a:ext cx="5486400" cy="3600450"/>
+          </a:xfrm>
+          <a:prstGeom prst="rect">
+            <a:avLst/>
+          </a:prstGeom>
+        </p:spPr>
+        <p:txBody>
+          <a:bodyPr vert="horz" lIns="91440" tIns="45720" rIns="91440" bIns="45720" rtlCol="0"/>
+          <a:lstStyle/>
+          <a:p>
+            <a:pPr lvl="0"/>
+            <a:r>
+              <a:rPr lang="en-US"/>
+              <a:t>Click to edit Master text styles</a:t>
+            </a:r>
+          </a:p>
+          <a:p>
+            <a:pPr lvl="1"/>
+            <a:r>
+              <a:rPr lang="en-US"/>
+              <a:t>Second level</a:t>
+            </a:r>
+          </a:p>
+          <a:p>
+            <a:pPr lvl="2"/>
+            <a:r>
+              <a:rPr lang="en-US"/>
+              <a:t>Third level</a:t>
+            </a:r>
+          </a:p>
+          <a:p>
+            <a:pPr lvl="3"/>
+            <a:r>
+              <a:rPr lang="en-US"/>
+              <a:t>Fourth level</a:t>
+            </a:r>
+          </a:p>
+          <a:p>
+            <a:pPr lvl="4"/>
+            <a:r>
+              <a:rPr lang="en-US"/>
+              <a:t>Fifth level</a:t>
+            </a:r>
+            <a:endParaRPr lang="en-CN"/>
+          </a:p>
+        </p:txBody>
+      </p:sp>
+      <p:sp>
+        <p:nvSpPr>
+          <p:cNvPr id="6" name="Footer Placeholder 5"/>
+          <p:cNvSpPr>
+            <a:spLocks noGrp="1"/>
+          </p:cNvSpPr>
+          <p:nvPr>
+            <p:ph type="ftr" sz="quarter" idx="4"/>
+          </p:nvPr>
+        </p:nvSpPr>
+        <p:spPr>
+          <a:xfrm>
+            <a:off x="0" y="8685213"/>
+            <a:ext cx="2971800" cy="458787"/>
+          </a:xfrm>
+          <a:prstGeom prst="rect">
+            <a:avLst/>
+          </a:prstGeom>
+        </p:spPr>
+        <p:txBody>
+          <a:bodyPr vert="horz" lIns="91440" tIns="45720" rIns="91440" bIns="45720" rtlCol="0" anchor="b"/>
+          <a:lstStyle>
+            <a:lvl1pPr algn="l">
+              <a:defRPr sz="1200"/>
+            </a:lvl1pPr>
+          </a:lstStyle>
+          <a:p>
+            <a:endParaRPr lang="en-CN"/>
+          </a:p>
+        </p:txBody>
+      </p:sp>
+      <p:sp>
+        <p:nvSpPr>
+          <p:cNvPr id="7" name="Slide Number Placeholder 6"/>
+          <p:cNvSpPr>
+            <a:spLocks noGrp="1"/>
+          </p:cNvSpPr>
+          <p:nvPr>
+            <p:ph type="sldNum" sz="quarter" idx="5"/>
+          </p:nvPr>
+        </p:nvSpPr>
+        <p:spPr>
+          <a:xfrm>
+            <a:off x="3884613" y="8685213"/>
+            <a:ext cx="2971800" cy="458787"/>
+          </a:xfrm>
+          <a:prstGeom prst="rect">
+            <a:avLst/>
+          </a:prstGeom>
+        </p:spPr>
+        <p:txBody>
+          <a:bodyPr vert="horz" lIns="91440" tIns="45720" rIns="91440" bIns="45720" rtlCol="0" anchor="b"/>
+          <a:lstStyle>
+            <a:lvl1pPr algn="r">
+              <a:defRPr sz="1200"/>
+            </a:lvl1pPr>
+          </a:lstStyle>
+          <a:p>
+            <a:fld id="{77BB6F1F-69B2-0044-A5AC-8A0964F03319}" type="slidenum">
+              <a:rPr lang="en-CN" smtClean="0"/>
+              <a:t>‹#›</a:t>
+            </a:fld>
+            <a:endParaRPr lang="en-CN"/>
+          </a:p>
+        </p:txBody>
+      </p:sp>
+    </p:spTree>
+    <p:extLst>
+      <p:ext uri="{BB962C8B-B14F-4D97-AF65-F5344CB8AC3E}">
+        <p14:creationId xmlns:p14="http://schemas.microsoft.com/office/powerpoint/2010/main" val="776790646"/>
+      </p:ext>
+    </p:extLst>
+  </p:cSld>
+  <p:clrMap bg1="lt1" tx1="dk1" bg2="lt2" tx2="dk2" accent1="accent1" accent2="accent2" accent3="accent3" accent4="accent4" accent5="accent5" accent6="accent6" hlink="hlink" folHlink="folHlink"/>
+  <p:notesStyle>
+    <a:lvl1pPr marL="0" algn="l" defTabSz="914400" rtl="0" eaLnBrk="1" latinLnBrk="0" hangingPunct="1">
+      <a:defRPr sz="1200" kern="1200">
+        <a:solidFill>
+          <a:schemeClr val="tx1"/>
+        </a:solidFill>
+        <a:latin typeface="+mn-lt"/>
+        <a:ea typeface="+mn-ea"/>
+        <a:cs typeface="+mn-cs"/>
+      </a:defRPr>
+    </a:lvl1pPr>
+    <a:lvl2pPr marL="457200" algn="l" defTabSz="914400" rtl="0" eaLnBrk="1" latinLnBrk="0" hangingPunct="1">
+      <a:defRPr sz="1200" kern="1200">
+        <a:solidFill>
+          <a:schemeClr val="tx1"/>
+        </a:solidFill>
+        <a:latin typeface="+mn-lt"/>
+        <a:ea typeface="+mn-ea"/>
+        <a:cs typeface="+mn-cs"/>
+      </a:defRPr>
+    </a:lvl2pPr>
+    <a:lvl3pPr marL="914400" algn="l" defTabSz="914400" rtl="0" eaLnBrk="1" latinLnBrk="0" hangingPunct="1">
+      <a:defRPr sz="1200" kern="1200">
+        <a:solidFill>
+          <a:schemeClr val="tx1"/>
+        </a:solidFill>
+        <a:latin typeface="+mn-lt"/>
+        <a:ea typeface="+mn-ea"/>
+        <a:cs typeface="+mn-cs"/>
+      </a:defRPr>
+    </a:lvl3pPr>
+    <a:lvl4pPr marL="1371600" algn="l" defTabSz="914400" rtl="0" eaLnBrk="1" latinLnBrk="0" hangingPunct="1">
+      <a:defRPr sz="1200" kern="1200">
+        <a:solidFill>
+          <a:schemeClr val="tx1"/>
+        </a:solidFill>
+        <a:latin typeface="+mn-lt"/>
+        <a:ea typeface="+mn-ea"/>
+        <a:cs typeface="+mn-cs"/>
+      </a:defRPr>
+    </a:lvl4pPr>
+    <a:lvl5pPr marL="1828800" algn="l" defTabSz="914400" rtl="0" eaLnBrk="1" latinLnBrk="0" hangingPunct="1">
+      <a:defRPr sz="1200" kern="1200">
+        <a:solidFill>
+          <a:schemeClr val="tx1"/>
+        </a:solidFill>
+        <a:latin typeface="+mn-lt"/>
+        <a:ea typeface="+mn-ea"/>
+        <a:cs typeface="+mn-cs"/>
+      </a:defRPr>
+    </a:lvl5pPr>
+    <a:lvl6pPr marL="2286000" algn="l" defTabSz="914400" rtl="0" eaLnBrk="1" latinLnBrk="0" hangingPunct="1">
+      <a:defRPr sz="1200" kern="1200">
+        <a:solidFill>
+          <a:schemeClr val="tx1"/>
+        </a:solidFill>
+        <a:latin typeface="+mn-lt"/>
+        <a:ea typeface="+mn-ea"/>
+        <a:cs typeface="+mn-cs"/>
+      </a:defRPr>
+    </a:lvl6pPr>
+    <a:lvl7pPr marL="2743200" algn="l" defTabSz="914400" rtl="0" eaLnBrk="1" latinLnBrk="0" hangingPunct="1">
+      <a:defRPr sz="1200" kern="1200">
+        <a:solidFill>
+          <a:schemeClr val="tx1"/>
+        </a:solidFill>
+        <a:latin typeface="+mn-lt"/>
+        <a:ea typeface="+mn-ea"/>
+        <a:cs typeface="+mn-cs"/>
+      </a:defRPr>
+    </a:lvl7pPr>
+    <a:lvl8pPr marL="3200400" algn="l" defTabSz="914400" rtl="0" eaLnBrk="1" latinLnBrk="0" hangingPunct="1">
+      <a:defRPr sz="1200" kern="1200">
+        <a:solidFill>
+          <a:schemeClr val="tx1"/>
+        </a:solidFill>
+        <a:latin typeface="+mn-lt"/>
+        <a:ea typeface="+mn-ea"/>
+        <a:cs typeface="+mn-cs"/>
+      </a:defRPr>
+    </a:lvl8pPr>
+    <a:lvl9pPr marL="3657600" algn="l" defTabSz="914400" rtl="0" eaLnBrk="1" latinLnBrk="0" hangingPunct="1">
+      <a:defRPr sz="1200" kern="1200">
+        <a:solidFill>
+          <a:schemeClr val="tx1"/>
+        </a:solidFill>
+        <a:latin typeface="+mn-lt"/>
+        <a:ea typeface="+mn-ea"/>
+        <a:cs typeface="+mn-cs"/>
+      </a:defRPr>
+    </a:lvl9pPr>
+  </p:notesStyle>
+</p:notesMaster>
+</file>
+
+<file path=ppt/notesSlides/notesSlide1.xml><?xml version="1.0" encoding="utf-8"?>
+<p:notes xmlns:a="http://schemas.openxmlformats.org/drawingml/2006/main" xmlns:r="http://schemas.openxmlformats.org/officeDocument/2006/relationships" xmlns:p="http://schemas.openxmlformats.org/presentationml/2006/main">
+  <p:cSld>
+    <p:spTree>
+      <p:nvGrpSpPr>
+        <p:cNvPr id="1" name=""/>
+        <p:cNvGrpSpPr/>
+        <p:nvPr/>
+      </p:nvGrpSpPr>
+      <p:grpSpPr>
+        <a:xfrm>
+          <a:off x="0" y="0"/>
+          <a:ext cx="0" cy="0"/>
+          <a:chOff x="0" y="0"/>
+          <a:chExt cx="0" cy="0"/>
+        </a:xfrm>
+      </p:grpSpPr>
+      <p:sp>
+        <p:nvSpPr>
+          <p:cNvPr id="2" name="Slide Image Placeholder 1"/>
+          <p:cNvSpPr>
+            <a:spLocks noGrp="1" noRot="1" noChangeAspect="1"/>
+          </p:cNvSpPr>
+          <p:nvPr>
+            <p:ph type="sldImg"/>
+          </p:nvPr>
+        </p:nvSpPr>
+        <p:spPr/>
+      </p:sp>
+      <p:sp>
+        <p:nvSpPr>
+          <p:cNvPr id="3" name="Notes Placeholder 2"/>
+          <p:cNvSpPr>
+            <a:spLocks noGrp="1"/>
+          </p:cNvSpPr>
+          <p:nvPr>
+            <p:ph type="body" idx="1"/>
+          </p:nvPr>
+        </p:nvSpPr>
+        <p:spPr/>
+        <p:txBody>
+          <a:bodyPr/>
+          <a:lstStyle/>
+          <a:p>
+            <a:pPr algn="l"/>
+            <a:r>
+              <a:rPr lang="zh-CN" altLang="en-US" b="0" i="0" dirty="0">
+                <a:solidFill>
+                  <a:srgbClr val="374151"/>
+                </a:solidFill>
+                <a:effectLst/>
+                <a:latin typeface="Söhne"/>
+              </a:rPr>
+              <a:t>假设一个物体绕着自身的中心以角速度</a:t>
+            </a:r>
+            <a:r>
+              <a:rPr lang="el-GR" b="0" i="0" dirty="0">
+                <a:solidFill>
+                  <a:srgbClr val="374151"/>
+                </a:solidFill>
+                <a:effectLst/>
+                <a:latin typeface="Söhne"/>
+              </a:rPr>
+              <a:t>ω</a:t>
+            </a:r>
+            <a:r>
+              <a:rPr lang="zh-CN" altLang="en-US" b="0" i="0" dirty="0">
+                <a:solidFill>
+                  <a:srgbClr val="374151"/>
+                </a:solidFill>
+                <a:effectLst/>
+                <a:latin typeface="Söhne"/>
+              </a:rPr>
+              <a:t>旋转，那么可以用以下公式来表示它的转动：</a:t>
+            </a:r>
+          </a:p>
+          <a:p>
+            <a:pPr algn="l"/>
+            <a:r>
+              <a:rPr lang="el-GR" b="0" i="0" dirty="0">
+                <a:solidFill>
+                  <a:srgbClr val="374151"/>
+                </a:solidFill>
+                <a:effectLst/>
+                <a:latin typeface="Söhne"/>
+              </a:rPr>
+              <a:t>θ(</a:t>
+            </a:r>
+            <a:r>
+              <a:rPr lang="en-US" b="0" i="0" dirty="0">
+                <a:solidFill>
+                  <a:srgbClr val="374151"/>
+                </a:solidFill>
+                <a:effectLst/>
+                <a:latin typeface="Söhne"/>
+              </a:rPr>
+              <a:t>t) = </a:t>
+            </a:r>
+            <a:r>
+              <a:rPr lang="el-GR" b="0" i="0" dirty="0">
+                <a:solidFill>
+                  <a:srgbClr val="374151"/>
+                </a:solidFill>
+                <a:effectLst/>
+                <a:latin typeface="Söhne"/>
+              </a:rPr>
+              <a:t>ω</a:t>
+            </a:r>
+            <a:r>
+              <a:rPr lang="en-US" b="0" i="0" dirty="0">
+                <a:solidFill>
+                  <a:srgbClr val="374151"/>
+                </a:solidFill>
+                <a:effectLst/>
+                <a:latin typeface="Söhne"/>
+              </a:rPr>
+              <a:t>t</a:t>
+            </a:r>
+          </a:p>
+          <a:p>
+            <a:pPr algn="l"/>
+            <a:r>
+              <a:rPr lang="zh-CN" altLang="en-US" b="0" i="0" dirty="0">
+                <a:solidFill>
+                  <a:srgbClr val="374151"/>
+                </a:solidFill>
+                <a:effectLst/>
+                <a:latin typeface="Söhne"/>
+              </a:rPr>
+              <a:t>其中，</a:t>
+            </a:r>
+            <a:r>
+              <a:rPr lang="el-GR" b="0" i="0" dirty="0">
+                <a:solidFill>
+                  <a:srgbClr val="374151"/>
+                </a:solidFill>
+                <a:effectLst/>
+                <a:latin typeface="Söhne"/>
+              </a:rPr>
+              <a:t>θ</a:t>
+            </a:r>
+            <a:r>
+              <a:rPr lang="zh-CN" altLang="en-US" b="0" i="0" dirty="0">
+                <a:solidFill>
+                  <a:srgbClr val="374151"/>
+                </a:solidFill>
+                <a:effectLst/>
+                <a:latin typeface="Söhne"/>
+              </a:rPr>
+              <a:t>表示物体相对于起始位置旋转的角度，</a:t>
+            </a:r>
+            <a:r>
+              <a:rPr lang="en-US" b="0" i="0" dirty="0">
+                <a:solidFill>
+                  <a:srgbClr val="374151"/>
+                </a:solidFill>
+                <a:effectLst/>
+                <a:latin typeface="Söhne"/>
+              </a:rPr>
+              <a:t>t</a:t>
+            </a:r>
+            <a:r>
+              <a:rPr lang="zh-CN" altLang="en-US" b="0" i="0" dirty="0">
+                <a:solidFill>
+                  <a:srgbClr val="374151"/>
+                </a:solidFill>
+                <a:effectLst/>
+                <a:latin typeface="Söhne"/>
+              </a:rPr>
+              <a:t>表示旋转的时间。</a:t>
+            </a:r>
+          </a:p>
+          <a:p>
+            <a:pPr algn="l"/>
+            <a:r>
+              <a:rPr lang="zh-CN" altLang="en-US" b="0" i="0" dirty="0">
+                <a:solidFill>
+                  <a:srgbClr val="374151"/>
+                </a:solidFill>
+                <a:effectLst/>
+                <a:latin typeface="Söhne"/>
+              </a:rPr>
+              <a:t>如果我们将时间微分，得到：</a:t>
+            </a:r>
+          </a:p>
+          <a:p>
+            <a:pPr algn="l"/>
+            <a:r>
+              <a:rPr lang="en-US" b="0" i="0" dirty="0">
+                <a:solidFill>
+                  <a:srgbClr val="374151"/>
+                </a:solidFill>
+                <a:effectLst/>
+                <a:latin typeface="Söhne"/>
+              </a:rPr>
+              <a:t>d</a:t>
+            </a:r>
+            <a:r>
+              <a:rPr lang="el-GR" b="0" i="0" dirty="0">
+                <a:solidFill>
+                  <a:srgbClr val="374151"/>
+                </a:solidFill>
+                <a:effectLst/>
+                <a:latin typeface="Söhne"/>
+              </a:rPr>
+              <a:t>θ/</a:t>
+            </a:r>
+            <a:r>
+              <a:rPr lang="en-US" b="0" i="0" dirty="0">
+                <a:solidFill>
+                  <a:srgbClr val="374151"/>
+                </a:solidFill>
+                <a:effectLst/>
+                <a:latin typeface="Söhne"/>
+              </a:rPr>
+              <a:t>dt = </a:t>
+            </a:r>
+            <a:r>
+              <a:rPr lang="el-GR" b="0" i="0" dirty="0">
+                <a:solidFill>
+                  <a:srgbClr val="374151"/>
+                </a:solidFill>
+                <a:effectLst/>
+                <a:latin typeface="Söhne"/>
+              </a:rPr>
+              <a:t>ω</a:t>
+            </a:r>
+          </a:p>
+          <a:p>
+            <a:pPr algn="l"/>
+            <a:r>
+              <a:rPr lang="zh-CN" altLang="en-US" b="0" i="0" dirty="0">
+                <a:solidFill>
+                  <a:srgbClr val="374151"/>
+                </a:solidFill>
+                <a:effectLst/>
+                <a:latin typeface="Söhne"/>
+              </a:rPr>
+              <a:t>这个式子表示的是物体每单位时间所转过的角度，也就是角速度。如果我们再对角速度微分，得到：</a:t>
+            </a:r>
+          </a:p>
+          <a:p>
+            <a:pPr algn="l"/>
+            <a:r>
+              <a:rPr lang="en-US" b="0" i="0" dirty="0">
+                <a:solidFill>
+                  <a:srgbClr val="374151"/>
+                </a:solidFill>
+                <a:effectLst/>
+                <a:latin typeface="Söhne"/>
+              </a:rPr>
+              <a:t>d²</a:t>
+            </a:r>
+            <a:r>
+              <a:rPr lang="el-GR" b="0" i="0" dirty="0">
+                <a:solidFill>
+                  <a:srgbClr val="374151"/>
+                </a:solidFill>
+                <a:effectLst/>
+                <a:latin typeface="Söhne"/>
+              </a:rPr>
+              <a:t>θ/</a:t>
+            </a:r>
+            <a:r>
+              <a:rPr lang="en-US" b="0" i="0" dirty="0">
+                <a:solidFill>
+                  <a:srgbClr val="374151"/>
+                </a:solidFill>
+                <a:effectLst/>
+                <a:latin typeface="Söhne"/>
+              </a:rPr>
+              <a:t>dt² = </a:t>
+            </a:r>
+            <a:r>
+              <a:rPr lang="el-GR" b="0" i="0" dirty="0">
+                <a:solidFill>
+                  <a:srgbClr val="374151"/>
+                </a:solidFill>
+                <a:effectLst/>
+                <a:latin typeface="Söhne"/>
+              </a:rPr>
+              <a:t>α</a:t>
+            </a:r>
+          </a:p>
+          <a:p>
+            <a:pPr algn="l"/>
+            <a:r>
+              <a:rPr lang="zh-CN" altLang="en-US" b="0" i="0" dirty="0">
+                <a:solidFill>
+                  <a:srgbClr val="374151"/>
+                </a:solidFill>
+                <a:effectLst/>
+                <a:latin typeface="Söhne"/>
+              </a:rPr>
+              <a:t>这个式子表示的是物体的角加速度，也就是旋转速度的变化率。</a:t>
+            </a:r>
+          </a:p>
+        </p:txBody>
+      </p:sp>
+      <p:sp>
+        <p:nvSpPr>
+          <p:cNvPr id="4" name="Slide Number Placeholder 3"/>
+          <p:cNvSpPr>
+            <a:spLocks noGrp="1"/>
+          </p:cNvSpPr>
+          <p:nvPr>
+            <p:ph type="sldNum" sz="quarter" idx="5"/>
+          </p:nvPr>
+        </p:nvSpPr>
+        <p:spPr/>
+        <p:txBody>
+          <a:bodyPr/>
+          <a:lstStyle/>
+          <a:p>
+            <a:fld id="{77BB6F1F-69B2-0044-A5AC-8A0964F03319}" type="slidenum">
+              <a:rPr lang="en-CN" smtClean="0"/>
+              <a:t>5</a:t>
+            </a:fld>
+            <a:endParaRPr lang="en-CN"/>
+          </a:p>
+        </p:txBody>
+      </p:sp>
+    </p:spTree>
+    <p:extLst>
+      <p:ext uri="{BB962C8B-B14F-4D97-AF65-F5344CB8AC3E}">
+        <p14:creationId xmlns:p14="http://schemas.microsoft.com/office/powerpoint/2010/main" val="996310012"/>
+      </p:ext>
+    </p:extLst>
+  </p:cSld>
+  <p:clrMapOvr>
+    <a:masterClrMapping/>
+  </p:clrMapOvr>
+</p:notes>
 </file>
 
 <file path=ppt/slideLayouts/slideLayout1.xml><?xml version="1.0" encoding="utf-8"?>
@@ -274,7 +969,7 @@
           <a:p>
             <a:fld id="{1160EA64-D806-43AC-9DF2-F8C432F32B4C}" type="datetimeFigureOut">
               <a:rPr lang="en-US" dirty="0"/>
-              <a:t>2/27/23</a:t>
+              <a:t>3/3/23</a:t>
             </a:fld>
             <a:endParaRPr lang="en-US" dirty="0"/>
           </a:p>
@@ -440,7 +1135,7 @@
           <a:p>
             <a:fld id="{E9F9C37B-1D36-470B-8223-D6C91242EC14}" type="datetimeFigureOut">
               <a:rPr lang="en-US" dirty="0"/>
-              <a:t>2/27/23</a:t>
+              <a:t>3/3/23</a:t>
             </a:fld>
             <a:endParaRPr lang="en-US" dirty="0"/>
           </a:p>
@@ -615,7 +1310,7 @@
           <a:p>
             <a:fld id="{67C6F52A-A82B-47A2-A83A-8C4C91F2D59F}" type="datetimeFigureOut">
               <a:rPr lang="en-US" dirty="0"/>
-              <a:t>2/27/23</a:t>
+              <a:t>3/3/23</a:t>
             </a:fld>
             <a:endParaRPr lang="en-US" dirty="0"/>
           </a:p>
@@ -780,7 +1475,7 @@
           <a:p>
             <a:fld id="{F070A7B3-6521-4DCA-87E5-044747A908C1}" type="datetimeFigureOut">
               <a:rPr lang="en-US" dirty="0"/>
-              <a:t>2/27/23</a:t>
+              <a:t>3/3/23</a:t>
             </a:fld>
             <a:endParaRPr lang="en-US" dirty="0"/>
           </a:p>
@@ -1044,7 +1739,7 @@
           <a:p>
             <a:fld id="{1160EA64-D806-43AC-9DF2-F8C432F32B4C}" type="datetimeFigureOut">
               <a:rPr lang="en-US" dirty="0"/>
-              <a:t>2/27/23</a:t>
+              <a:t>3/3/23</a:t>
             </a:fld>
             <a:endParaRPr lang="en-US" dirty="0"/>
           </a:p>
@@ -1272,7 +1967,7 @@
           <a:p>
             <a:fld id="{AB134690-1557-4C89-A502-4959FE7FAD70}" type="datetimeFigureOut">
               <a:rPr lang="en-US" dirty="0"/>
-              <a:t>2/27/23</a:t>
+              <a:t>3/3/23</a:t>
             </a:fld>
             <a:endParaRPr lang="en-US" dirty="0"/>
           </a:p>
@@ -1626,7 +2321,7 @@
           <a:p>
             <a:fld id="{4F7D4976-E339-4826-83B7-FBD03F55ECF8}" type="datetimeFigureOut">
               <a:rPr lang="en-US" dirty="0"/>
-              <a:t>2/27/23</a:t>
+              <a:t>3/3/23</a:t>
             </a:fld>
             <a:endParaRPr lang="en-US" dirty="0"/>
           </a:p>
@@ -1762,7 +2457,7 @@
           <a:p>
             <a:fld id="{E1037C31-9E7A-4F99-8774-A0E530DE1A42}" type="datetimeFigureOut">
               <a:rPr lang="en-US" dirty="0"/>
-              <a:t>2/27/23</a:t>
+              <a:t>3/3/23</a:t>
             </a:fld>
             <a:endParaRPr lang="en-US" dirty="0"/>
           </a:p>
@@ -1852,7 +2547,7 @@
           <a:p>
             <a:fld id="{C278504F-A551-4DE0-9316-4DCD1D8CC752}" type="datetimeFigureOut">
               <a:rPr lang="en-US" dirty="0"/>
-              <a:t>2/27/23</a:t>
+              <a:t>3/3/23</a:t>
             </a:fld>
             <a:endParaRPr lang="en-US" dirty="0"/>
           </a:p>
@@ -2204,7 +2899,7 @@
           <a:p>
             <a:fld id="{D1BE4249-C0D0-4B06-8692-E8BB871AF643}" type="datetimeFigureOut">
               <a:rPr lang="en-US" dirty="0"/>
-              <a:t>2/27/23</a:t>
+              <a:t>3/3/23</a:t>
             </a:fld>
             <a:endParaRPr lang="en-US" dirty="0"/>
           </a:p>
@@ -2556,7 +3251,7 @@
           <a:p>
             <a:fld id="{042B0DB6-F5C7-45FB-8CF3-31B45F9C2DAC}" type="datetimeFigureOut">
               <a:rPr lang="en-US" dirty="0"/>
-              <a:t>2/27/23</a:t>
+              <a:t>3/3/23</a:t>
             </a:fld>
             <a:endParaRPr lang="en-US" dirty="0"/>
           </a:p>
@@ -2793,7 +3488,7 @@
           <a:p>
             <a:fld id="{1160EA64-D806-43AC-9DF2-F8C432F32B4C}" type="datetimeFigureOut">
               <a:rPr lang="en-US" dirty="0"/>
-              <a:t>2/27/23</a:t>
+              <a:t>3/3/23</a:t>
             </a:fld>
             <a:endParaRPr lang="en-US" dirty="0"/>
           </a:p>
@@ -3276,11 +3971,11 @@
               <a:t>第</a:t>
             </a:r>
             <a:r>
-              <a:rPr lang="en-US" altLang="zh-CN" b="1" dirty="0">
+              <a:rPr lang="en-US" b="1" dirty="0">
                 <a:latin typeface="Yuanti SC" panose="02010600040101010101" pitchFamily="2" charset="-122"/>
                 <a:ea typeface="Yuanti SC" panose="02010600040101010101" pitchFamily="2" charset="-122"/>
               </a:rPr>
-              <a:t>2</a:t>
+              <a:t>3</a:t>
             </a:r>
             <a:r>
               <a:rPr lang="zh-CN" altLang="en-US" b="1" dirty="0">
@@ -3364,7 +4059,7 @@
                 <a:latin typeface="Yuanti TC" panose="02010600040101010101" pitchFamily="2" charset="-120"/>
                 <a:ea typeface="Yuanti TC" panose="02010600040101010101" pitchFamily="2" charset="-120"/>
               </a:rPr>
-              <a:t>Feb 27, 2023</a:t>
+              <a:t>Mar 6, 2023</a:t>
             </a:r>
             <a:endParaRPr lang="en-CN" dirty="0">
               <a:latin typeface="Yuanti TC" panose="02010600040101010101" pitchFamily="2" charset="-120"/>
@@ -3505,6 +4200,21 @@
                 <a:cs typeface="Times New Roman" panose="02020603050405020304" pitchFamily="18" charset="0"/>
               </a:rPr>
               <a:t>对象旋转方程</a:t>
+            </a:r>
+            <a:endParaRPr lang="en-US" altLang="zh-CN" sz="2400" dirty="0">
+              <a:latin typeface="Yuanti TC" panose="02010600040101010101" pitchFamily="2" charset="-120"/>
+              <a:ea typeface="Yuanti TC" panose="02010600040101010101" pitchFamily="2" charset="-120"/>
+              <a:cs typeface="Times New Roman" panose="02020603050405020304" pitchFamily="18" charset="0"/>
+            </a:endParaRPr>
+          </a:p>
+          <a:p>
+            <a:r>
+              <a:rPr lang="zh-CN" altLang="en-US" sz="2400" dirty="0">
+                <a:latin typeface="Yuanti TC" panose="02010600040101010101" pitchFamily="2" charset="-120"/>
+                <a:ea typeface="Yuanti TC" panose="02010600040101010101" pitchFamily="2" charset="-120"/>
+                <a:cs typeface="Times New Roman" panose="02020603050405020304" pitchFamily="18" charset="0"/>
+              </a:rPr>
+              <a:t>对象缩放方程</a:t>
             </a:r>
             <a:endParaRPr lang="en-US" altLang="zh-CN" sz="2400" dirty="0">
               <a:latin typeface="Yuanti TC" panose="02010600040101010101" pitchFamily="2" charset="-120"/>
@@ -4159,7 +4869,7 @@
                       <am3d:spPr>
                         <a:xfrm rot="20715645">
                           <a:off x="0" y="0"/>
-                          <a:ext cx="622670" cy="705670"/>
+                          <a:ext cx="1071053" cy="1213822"/>
                         </a:xfrm>
                         <a:prstGeom prst="rect">
                           <a:avLst/>
@@ -4406,6 +5116,598 @@
           </a:p>
         </p:txBody>
       </p:sp>
+      <mc:AlternateContent xmlns:mc="http://schemas.openxmlformats.org/markup-compatibility/2006">
+        <mc:Choice xmlns:a14="http://schemas.microsoft.com/office/drawing/2010/main" Requires="a14">
+          <p:sp>
+            <p:nvSpPr>
+              <p:cNvPr id="4" name="TextBox 3">
+                <a:extLst>
+                  <a:ext uri="{FF2B5EF4-FFF2-40B4-BE49-F238E27FC236}">
+                    <a16:creationId xmlns:a16="http://schemas.microsoft.com/office/drawing/2014/main" id="{9FBB76BA-FFAE-8FC0-5415-03A012291E00}"/>
+                  </a:ext>
+                </a:extLst>
+              </p:cNvPr>
+              <p:cNvSpPr txBox="1"/>
+              <p:nvPr/>
+            </p:nvSpPr>
+            <p:spPr>
+              <a:xfrm>
+                <a:off x="4883553" y="2099701"/>
+                <a:ext cx="2424895" cy="492443"/>
+              </a:xfrm>
+              <a:prstGeom prst="rect">
+                <a:avLst/>
+              </a:prstGeom>
+              <a:noFill/>
+            </p:spPr>
+            <p:txBody>
+              <a:bodyPr wrap="none" lIns="0" tIns="0" rIns="0" bIns="0" rtlCol="0">
+                <a:spAutoFit/>
+              </a:bodyPr>
+              <a:lstStyle/>
+              <a:p>
+                <a14:m>
+                  <m:oMathPara xmlns:m="http://schemas.openxmlformats.org/officeDocument/2006/math">
+                    <m:oMathParaPr>
+                      <m:jc m:val="centerGroup"/>
+                    </m:oMathParaPr>
+                    <m:oMath xmlns:m="http://schemas.openxmlformats.org/officeDocument/2006/math">
+                      <m:r>
+                        <a:rPr lang="en-US" altLang="zh-CN" sz="3200" b="0" i="1" smtClean="0">
+                          <a:latin typeface="Cambria Math" panose="02040503050406030204" pitchFamily="18" charset="0"/>
+                        </a:rPr>
+                        <m:t>𝜃</m:t>
+                      </m:r>
+                      <m:d>
+                        <m:dPr>
+                          <m:ctrlPr>
+                            <a:rPr lang="en-US" altLang="zh-CN" sz="3200" b="0" i="1" smtClean="0">
+                              <a:latin typeface="Cambria Math" panose="02040503050406030204" pitchFamily="18" charset="0"/>
+                            </a:rPr>
+                          </m:ctrlPr>
+                        </m:dPr>
+                        <m:e>
+                          <m:r>
+                            <a:rPr lang="en-US" altLang="zh-CN" sz="3200" b="0" i="1" smtClean="0">
+                              <a:latin typeface="Cambria Math" panose="02040503050406030204" pitchFamily="18" charset="0"/>
+                            </a:rPr>
+                            <m:t>𝑡</m:t>
+                          </m:r>
+                        </m:e>
+                      </m:d>
+                      <m:r>
+                        <a:rPr lang="en-US" sz="3200" b="0" i="1" smtClean="0">
+                          <a:latin typeface="Cambria Math" panose="02040503050406030204" pitchFamily="18" charset="0"/>
+                        </a:rPr>
+                        <m:t>=</m:t>
+                      </m:r>
+                      <m:r>
+                        <a:rPr lang="en-US" altLang="zh-CN" sz="3200" b="0" i="1" smtClean="0">
+                          <a:latin typeface="Cambria Math" panose="02040503050406030204" pitchFamily="18" charset="0"/>
+                        </a:rPr>
+                        <m:t>−</m:t>
+                      </m:r>
+                      <m:r>
+                        <a:rPr lang="en-US" altLang="zh-CN" sz="3200" b="0" i="1" smtClean="0">
+                          <a:latin typeface="Cambria Math" panose="02040503050406030204" pitchFamily="18" charset="0"/>
+                        </a:rPr>
+                        <m:t>𝐶</m:t>
+                      </m:r>
+                      <m:r>
+                        <a:rPr lang="en-US" sz="3200" b="0" i="1" smtClean="0">
+                          <a:latin typeface="Cambria Math" panose="02040503050406030204" pitchFamily="18" charset="0"/>
+                          <a:ea typeface="Cambria Math" panose="02040503050406030204" pitchFamily="18" charset="0"/>
+                        </a:rPr>
+                        <m:t>𝜔</m:t>
+                      </m:r>
+                      <m:r>
+                        <a:rPr lang="en-US" sz="3200" b="0" i="1" smtClean="0">
+                          <a:latin typeface="Cambria Math" panose="02040503050406030204" pitchFamily="18" charset="0"/>
+                          <a:ea typeface="Cambria Math" panose="02040503050406030204" pitchFamily="18" charset="0"/>
+                        </a:rPr>
+                        <m:t>𝑡</m:t>
+                      </m:r>
+                    </m:oMath>
+                  </m:oMathPara>
+                </a14:m>
+                <a:endParaRPr lang="en-CN" sz="3200" dirty="0"/>
+              </a:p>
+            </p:txBody>
+          </p:sp>
+        </mc:Choice>
+        <mc:Fallback>
+          <p:sp>
+            <p:nvSpPr>
+              <p:cNvPr id="4" name="TextBox 3">
+                <a:extLst>
+                  <a:ext uri="{FF2B5EF4-FFF2-40B4-BE49-F238E27FC236}">
+                    <a16:creationId xmlns:a16="http://schemas.microsoft.com/office/drawing/2014/main" id="{9FBB76BA-FFAE-8FC0-5415-03A012291E00}"/>
+                  </a:ext>
+                </a:extLst>
+              </p:cNvPr>
+              <p:cNvSpPr txBox="1">
+                <a:spLocks noRot="1" noChangeAspect="1" noMove="1" noResize="1" noEditPoints="1" noAdjustHandles="1" noChangeArrowheads="1" noChangeShapeType="1" noTextEdit="1"/>
+              </p:cNvSpPr>
+              <p:nvPr/>
+            </p:nvSpPr>
+            <p:spPr>
+              <a:xfrm>
+                <a:off x="4883553" y="2099701"/>
+                <a:ext cx="2424895" cy="492443"/>
+              </a:xfrm>
+              <a:prstGeom prst="rect">
+                <a:avLst/>
+              </a:prstGeom>
+              <a:blipFill>
+                <a:blip r:embed="rId3"/>
+                <a:stretch>
+                  <a:fillRect l="-3125" r="-1563" b="-7500"/>
+                </a:stretch>
+              </a:blipFill>
+            </p:spPr>
+            <p:txBody>
+              <a:bodyPr/>
+              <a:lstStyle/>
+              <a:p>
+                <a:r>
+                  <a:rPr lang="en-CN">
+                    <a:noFill/>
+                  </a:rPr>
+                  <a:t> </a:t>
+                </a:r>
+              </a:p>
+            </p:txBody>
+          </p:sp>
+        </mc:Fallback>
+      </mc:AlternateContent>
+      <p:sp>
+        <p:nvSpPr>
+          <p:cNvPr id="7" name="TextBox 6">
+            <a:extLst>
+              <a:ext uri="{FF2B5EF4-FFF2-40B4-BE49-F238E27FC236}">
+                <a16:creationId xmlns:a16="http://schemas.microsoft.com/office/drawing/2014/main" id="{C63F6C35-13A1-073A-0B9D-00DEF8C52749}"/>
+              </a:ext>
+            </a:extLst>
+          </p:cNvPr>
+          <p:cNvSpPr txBox="1"/>
+          <p:nvPr/>
+        </p:nvSpPr>
+        <p:spPr>
+          <a:xfrm>
+            <a:off x="696000" y="1493679"/>
+            <a:ext cx="10800000" cy="369332"/>
+          </a:xfrm>
+          <a:prstGeom prst="rect">
+            <a:avLst/>
+          </a:prstGeom>
+          <a:noFill/>
+        </p:spPr>
+        <p:txBody>
+          <a:bodyPr wrap="square">
+            <a:spAutoFit/>
+          </a:bodyPr>
+          <a:lstStyle/>
+          <a:p>
+            <a:r>
+              <a:rPr lang="zh-CN" altLang="en-US" b="0" i="0" dirty="0">
+                <a:solidFill>
+                  <a:srgbClr val="374151"/>
+                </a:solidFill>
+                <a:effectLst/>
+                <a:latin typeface="Yuanti TC" panose="02010600040101010101" pitchFamily="2" charset="-120"/>
+                <a:ea typeface="Yuanti TC" panose="02010600040101010101" pitchFamily="2" charset="-120"/>
+              </a:rPr>
+              <a:t>假设使用者头部以角速度</a:t>
+            </a:r>
+            <a:r>
+              <a:rPr lang="el-GR" b="0" i="0" dirty="0">
+                <a:solidFill>
+                  <a:srgbClr val="374151"/>
+                </a:solidFill>
+                <a:effectLst/>
+                <a:latin typeface="Yuanti TC" panose="02010600040101010101" pitchFamily="2" charset="-120"/>
+                <a:ea typeface="Yuanti TC" panose="02010600040101010101" pitchFamily="2" charset="-120"/>
+              </a:rPr>
+              <a:t>ω</a:t>
+            </a:r>
+            <a:r>
+              <a:rPr lang="zh-CN" altLang="en-US" b="0" i="0" dirty="0">
+                <a:solidFill>
+                  <a:srgbClr val="374151"/>
+                </a:solidFill>
+                <a:effectLst/>
+                <a:latin typeface="Yuanti TC" panose="02010600040101010101" pitchFamily="2" charset="-120"/>
+                <a:ea typeface="Yuanti TC" panose="02010600040101010101" pitchFamily="2" charset="-120"/>
+              </a:rPr>
+              <a:t>旋转，那么可以用以下公式来表示对象物体的跟随旋转：</a:t>
+            </a:r>
+            <a:endParaRPr lang="en-CN" dirty="0">
+              <a:latin typeface="Yuanti TC" panose="02010600040101010101" pitchFamily="2" charset="-120"/>
+              <a:ea typeface="Yuanti TC" panose="02010600040101010101" pitchFamily="2" charset="-120"/>
+            </a:endParaRPr>
+          </a:p>
+        </p:txBody>
+      </p:sp>
+      <p:sp>
+        <p:nvSpPr>
+          <p:cNvPr id="8" name="TextBox 7">
+            <a:extLst>
+              <a:ext uri="{FF2B5EF4-FFF2-40B4-BE49-F238E27FC236}">
+                <a16:creationId xmlns:a16="http://schemas.microsoft.com/office/drawing/2014/main" id="{B7A2A0BC-A4E3-7D7A-4DBF-8A57921AB5B4}"/>
+              </a:ext>
+            </a:extLst>
+          </p:cNvPr>
+          <p:cNvSpPr txBox="1"/>
+          <p:nvPr/>
+        </p:nvSpPr>
+        <p:spPr>
+          <a:xfrm>
+            <a:off x="696000" y="2828835"/>
+            <a:ext cx="10800000" cy="1200329"/>
+          </a:xfrm>
+          <a:prstGeom prst="rect">
+            <a:avLst/>
+          </a:prstGeom>
+          <a:noFill/>
+        </p:spPr>
+        <p:txBody>
+          <a:bodyPr wrap="square">
+            <a:spAutoFit/>
+          </a:bodyPr>
+          <a:lstStyle/>
+          <a:p>
+            <a:pPr algn="l"/>
+            <a:r>
+              <a:rPr lang="zh-CN" altLang="en-US" b="0" i="0" dirty="0">
+                <a:solidFill>
+                  <a:srgbClr val="374151"/>
+                </a:solidFill>
+                <a:effectLst/>
+                <a:latin typeface="Yuanti TC" panose="02010600040101010101" pitchFamily="2" charset="-120"/>
+                <a:ea typeface="Yuanti TC" panose="02010600040101010101" pitchFamily="2" charset="-120"/>
+              </a:rPr>
+              <a:t>其中，</a:t>
+            </a:r>
+            <a:r>
+              <a:rPr lang="en-US" altLang="zh-CN" b="0" i="0" dirty="0">
+                <a:solidFill>
+                  <a:srgbClr val="374151"/>
+                </a:solidFill>
+                <a:effectLst/>
+                <a:latin typeface="Yuanti TC" panose="02010600040101010101" pitchFamily="2" charset="-120"/>
+                <a:ea typeface="Yuanti TC" panose="02010600040101010101" pitchFamily="2" charset="-120"/>
+              </a:rPr>
+              <a:t>C</a:t>
+            </a:r>
+            <a:r>
+              <a:rPr lang="zh-CN" altLang="en-US" b="0" i="0" dirty="0">
+                <a:solidFill>
+                  <a:srgbClr val="374151"/>
+                </a:solidFill>
+                <a:effectLst/>
+                <a:latin typeface="Yuanti TC" panose="02010600040101010101" pitchFamily="2" charset="-120"/>
+                <a:ea typeface="Yuanti TC" panose="02010600040101010101" pitchFamily="2" charset="-120"/>
+              </a:rPr>
+              <a:t>是一个常数系数，以控制旋转矢量大小以及方向；</a:t>
+            </a:r>
+            <a:r>
+              <a:rPr lang="el-GR" b="0" i="0" dirty="0">
+                <a:solidFill>
+                  <a:srgbClr val="374151"/>
+                </a:solidFill>
+                <a:effectLst/>
+                <a:latin typeface="Yuanti TC" panose="02010600040101010101" pitchFamily="2" charset="-120"/>
+                <a:ea typeface="Yuanti TC" panose="02010600040101010101" pitchFamily="2" charset="-120"/>
+              </a:rPr>
+              <a:t>θ</a:t>
+            </a:r>
+            <a:r>
+              <a:rPr lang="zh-CN" altLang="en-US" b="0" i="0" dirty="0">
+                <a:solidFill>
+                  <a:srgbClr val="374151"/>
+                </a:solidFill>
+                <a:effectLst/>
+                <a:latin typeface="Yuanti TC" panose="02010600040101010101" pitchFamily="2" charset="-120"/>
+                <a:ea typeface="Yuanti TC" panose="02010600040101010101" pitchFamily="2" charset="-120"/>
+              </a:rPr>
+              <a:t>表示物体相对于起始位置旋转的角度，</a:t>
+            </a:r>
+            <a:r>
+              <a:rPr lang="en-US" b="0" i="0" dirty="0">
+                <a:solidFill>
+                  <a:srgbClr val="374151"/>
+                </a:solidFill>
+                <a:effectLst/>
+                <a:latin typeface="Yuanti TC" panose="02010600040101010101" pitchFamily="2" charset="-120"/>
+                <a:ea typeface="Yuanti TC" panose="02010600040101010101" pitchFamily="2" charset="-120"/>
+              </a:rPr>
+              <a:t>t</a:t>
+            </a:r>
+            <a:r>
+              <a:rPr lang="zh-CN" altLang="en-US" b="0" i="0" dirty="0">
+                <a:solidFill>
+                  <a:srgbClr val="374151"/>
+                </a:solidFill>
+                <a:effectLst/>
+                <a:latin typeface="Yuanti TC" panose="02010600040101010101" pitchFamily="2" charset="-120"/>
+                <a:ea typeface="Yuanti TC" panose="02010600040101010101" pitchFamily="2" charset="-120"/>
+              </a:rPr>
+              <a:t>表示旋转的时间</a:t>
+            </a:r>
+            <a:r>
+              <a:rPr lang="zh-CN" altLang="en-US" dirty="0">
+                <a:solidFill>
+                  <a:srgbClr val="374151"/>
+                </a:solidFill>
+                <a:latin typeface="Yuanti TC" panose="02010600040101010101" pitchFamily="2" charset="-120"/>
+                <a:ea typeface="Yuanti TC" panose="02010600040101010101" pitchFamily="2" charset="-120"/>
+              </a:rPr>
+              <a:t>。</a:t>
+            </a:r>
+            <a:endParaRPr lang="en-US" altLang="zh-CN" dirty="0">
+              <a:solidFill>
+                <a:srgbClr val="374151"/>
+              </a:solidFill>
+              <a:latin typeface="Yuanti TC" panose="02010600040101010101" pitchFamily="2" charset="-120"/>
+              <a:ea typeface="Yuanti TC" panose="02010600040101010101" pitchFamily="2" charset="-120"/>
+            </a:endParaRPr>
+          </a:p>
+          <a:p>
+            <a:pPr algn="l"/>
+            <a:endParaRPr lang="en-US" altLang="zh-CN" b="0" i="0" dirty="0">
+              <a:solidFill>
+                <a:srgbClr val="374151"/>
+              </a:solidFill>
+              <a:effectLst/>
+              <a:latin typeface="Yuanti TC" panose="02010600040101010101" pitchFamily="2" charset="-120"/>
+              <a:ea typeface="Yuanti TC" panose="02010600040101010101" pitchFamily="2" charset="-120"/>
+            </a:endParaRPr>
+          </a:p>
+          <a:p>
+            <a:pPr algn="l"/>
+            <a:r>
+              <a:rPr lang="zh-CN" altLang="en-US" dirty="0">
+                <a:solidFill>
+                  <a:srgbClr val="374151"/>
+                </a:solidFill>
+                <a:latin typeface="Yuanti TC" panose="02010600040101010101" pitchFamily="2" charset="-120"/>
+                <a:ea typeface="Yuanti TC" panose="02010600040101010101" pitchFamily="2" charset="-120"/>
+              </a:rPr>
+              <a:t>头部转动的角速度</a:t>
+            </a:r>
+            <a:r>
+              <a:rPr lang="el-GR" b="0" i="0" dirty="0">
+                <a:solidFill>
+                  <a:srgbClr val="374151"/>
+                </a:solidFill>
+                <a:effectLst/>
+                <a:latin typeface="Yuanti TC" panose="02010600040101010101" pitchFamily="2" charset="-120"/>
+                <a:ea typeface="Yuanti TC" panose="02010600040101010101" pitchFamily="2" charset="-120"/>
+              </a:rPr>
+              <a:t>ω</a:t>
+            </a:r>
+            <a:r>
+              <a:rPr lang="zh-CN" altLang="en-US" dirty="0">
+                <a:solidFill>
+                  <a:srgbClr val="374151"/>
+                </a:solidFill>
+                <a:latin typeface="Yuanti TC" panose="02010600040101010101" pitchFamily="2" charset="-120"/>
+                <a:ea typeface="Yuanti TC" panose="02010600040101010101" pitchFamily="2" charset="-120"/>
+              </a:rPr>
+              <a:t>可以用以下公式来表示：</a:t>
+            </a:r>
+            <a:endParaRPr lang="zh-CN" altLang="en-US" b="0" i="0" dirty="0">
+              <a:solidFill>
+                <a:srgbClr val="374151"/>
+              </a:solidFill>
+              <a:effectLst/>
+              <a:latin typeface="Yuanti TC" panose="02010600040101010101" pitchFamily="2" charset="-120"/>
+              <a:ea typeface="Yuanti TC" panose="02010600040101010101" pitchFamily="2" charset="-120"/>
+            </a:endParaRPr>
+          </a:p>
+        </p:txBody>
+      </p:sp>
+      <mc:AlternateContent xmlns:mc="http://schemas.openxmlformats.org/markup-compatibility/2006">
+        <mc:Choice xmlns:a14="http://schemas.microsoft.com/office/drawing/2010/main" Requires="a14">
+          <p:sp>
+            <p:nvSpPr>
+              <p:cNvPr id="9" name="TextBox 8">
+                <a:extLst>
+                  <a:ext uri="{FF2B5EF4-FFF2-40B4-BE49-F238E27FC236}">
+                    <a16:creationId xmlns:a16="http://schemas.microsoft.com/office/drawing/2014/main" id="{06B3170F-E29A-8C14-39A3-7F7EDD356973}"/>
+                  </a:ext>
+                </a:extLst>
+              </p:cNvPr>
+              <p:cNvSpPr txBox="1"/>
+              <p:nvPr/>
+            </p:nvSpPr>
+            <p:spPr>
+              <a:xfrm>
+                <a:off x="5378336" y="4261002"/>
+                <a:ext cx="1435328" cy="931794"/>
+              </a:xfrm>
+              <a:prstGeom prst="rect">
+                <a:avLst/>
+              </a:prstGeom>
+              <a:noFill/>
+            </p:spPr>
+            <p:txBody>
+              <a:bodyPr wrap="none" lIns="0" tIns="0" rIns="0" bIns="0" rtlCol="0">
+                <a:spAutoFit/>
+              </a:bodyPr>
+              <a:lstStyle/>
+              <a:p>
+                <a14:m>
+                  <m:oMathPara xmlns:m="http://schemas.openxmlformats.org/officeDocument/2006/math">
+                    <m:oMathParaPr>
+                      <m:jc m:val="centerGroup"/>
+                    </m:oMathParaPr>
+                    <m:oMath xmlns:m="http://schemas.openxmlformats.org/officeDocument/2006/math">
+                      <m:r>
+                        <a:rPr lang="en-US" sz="3200" b="0" i="1" smtClean="0">
+                          <a:latin typeface="Cambria Math" panose="02040503050406030204" pitchFamily="18" charset="0"/>
+                          <a:ea typeface="Cambria Math" panose="02040503050406030204" pitchFamily="18" charset="0"/>
+                        </a:rPr>
+                        <m:t>𝜔</m:t>
+                      </m:r>
+                      <m:r>
+                        <a:rPr lang="en-US" altLang="zh-CN" sz="3200" b="0" i="1" smtClean="0">
+                          <a:latin typeface="Cambria Math" panose="02040503050406030204" pitchFamily="18" charset="0"/>
+                          <a:ea typeface="Cambria Math" panose="02040503050406030204" pitchFamily="18" charset="0"/>
+                        </a:rPr>
+                        <m:t>=</m:t>
+                      </m:r>
+                      <m:f>
+                        <m:fPr>
+                          <m:ctrlPr>
+                            <a:rPr lang="en-US" altLang="zh-CN" sz="3200" b="0" i="1" smtClean="0">
+                              <a:latin typeface="Cambria Math" panose="02040503050406030204" pitchFamily="18" charset="0"/>
+                              <a:ea typeface="Cambria Math" panose="02040503050406030204" pitchFamily="18" charset="0"/>
+                            </a:rPr>
+                          </m:ctrlPr>
+                        </m:fPr>
+                        <m:num>
+                          <m:r>
+                            <a:rPr lang="en-US" altLang="zh-CN" sz="3200" b="0" i="1" smtClean="0">
+                              <a:latin typeface="Cambria Math" panose="02040503050406030204" pitchFamily="18" charset="0"/>
+                              <a:ea typeface="Cambria Math" panose="02040503050406030204" pitchFamily="18" charset="0"/>
+                            </a:rPr>
+                            <m:t>𝑑</m:t>
+                          </m:r>
+                          <m:r>
+                            <a:rPr lang="en-US" altLang="zh-CN" sz="3200" b="0" i="1" smtClean="0">
+                              <a:latin typeface="Cambria Math" panose="02040503050406030204" pitchFamily="18" charset="0"/>
+                              <a:ea typeface="Cambria Math" panose="02040503050406030204" pitchFamily="18" charset="0"/>
+                            </a:rPr>
+                            <m:t>𝜃</m:t>
+                          </m:r>
+                        </m:num>
+                        <m:den>
+                          <m:r>
+                            <a:rPr lang="en-US" altLang="zh-CN" sz="3200" b="0" i="1" smtClean="0">
+                              <a:latin typeface="Cambria Math" panose="02040503050406030204" pitchFamily="18" charset="0"/>
+                              <a:ea typeface="Cambria Math" panose="02040503050406030204" pitchFamily="18" charset="0"/>
+                            </a:rPr>
+                            <m:t>𝑑𝑡</m:t>
+                          </m:r>
+                        </m:den>
+                      </m:f>
+                    </m:oMath>
+                  </m:oMathPara>
+                </a14:m>
+                <a:endParaRPr lang="en-CN" sz="3200" dirty="0"/>
+              </a:p>
+            </p:txBody>
+          </p:sp>
+        </mc:Choice>
+        <mc:Fallback>
+          <p:sp>
+            <p:nvSpPr>
+              <p:cNvPr id="9" name="TextBox 8">
+                <a:extLst>
+                  <a:ext uri="{FF2B5EF4-FFF2-40B4-BE49-F238E27FC236}">
+                    <a16:creationId xmlns:a16="http://schemas.microsoft.com/office/drawing/2014/main" id="{06B3170F-E29A-8C14-39A3-7F7EDD356973}"/>
+                  </a:ext>
+                </a:extLst>
+              </p:cNvPr>
+              <p:cNvSpPr txBox="1">
+                <a:spLocks noRot="1" noChangeAspect="1" noMove="1" noResize="1" noEditPoints="1" noAdjustHandles="1" noChangeArrowheads="1" noChangeShapeType="1" noTextEdit="1"/>
+              </p:cNvSpPr>
+              <p:nvPr/>
+            </p:nvSpPr>
+            <p:spPr>
+              <a:xfrm>
+                <a:off x="5378336" y="4261002"/>
+                <a:ext cx="1435328" cy="931794"/>
+              </a:xfrm>
+              <a:prstGeom prst="rect">
+                <a:avLst/>
+              </a:prstGeom>
+              <a:blipFill>
+                <a:blip r:embed="rId4"/>
+                <a:stretch>
+                  <a:fillRect l="-2632" t="-1351" r="-4386" b="-14865"/>
+                </a:stretch>
+              </a:blipFill>
+            </p:spPr>
+            <p:txBody>
+              <a:bodyPr/>
+              <a:lstStyle/>
+              <a:p>
+                <a:r>
+                  <a:rPr lang="en-CN">
+                    <a:noFill/>
+                  </a:rPr>
+                  <a:t> </a:t>
+                </a:r>
+              </a:p>
+            </p:txBody>
+          </p:sp>
+        </mc:Fallback>
+      </mc:AlternateContent>
+    </p:spTree>
+    <p:extLst>
+      <p:ext uri="{BB962C8B-B14F-4D97-AF65-F5344CB8AC3E}">
+        <p14:creationId xmlns:p14="http://schemas.microsoft.com/office/powerpoint/2010/main" val="2918982492"/>
+      </p:ext>
+    </p:extLst>
+  </p:cSld>
+  <p:clrMapOvr>
+    <a:masterClrMapping/>
+  </p:clrMapOvr>
+</p:sld>
+</file>
+
+<file path=ppt/slides/slide6.xml><?xml version="1.0" encoding="utf-8"?>
+<p:sld xmlns:a="http://schemas.openxmlformats.org/drawingml/2006/main" xmlns:r="http://schemas.openxmlformats.org/officeDocument/2006/relationships" xmlns:p="http://schemas.openxmlformats.org/presentationml/2006/main">
+  <p:cSld>
+    <p:spTree>
+      <p:nvGrpSpPr>
+        <p:cNvPr id="1" name=""/>
+        <p:cNvGrpSpPr/>
+        <p:nvPr/>
+      </p:nvGrpSpPr>
+      <p:grpSpPr>
+        <a:xfrm>
+          <a:off x="0" y="0"/>
+          <a:ext cx="0" cy="0"/>
+          <a:chOff x="0" y="0"/>
+          <a:chExt cx="0" cy="0"/>
+        </a:xfrm>
+      </p:grpSpPr>
+      <p:sp>
+        <p:nvSpPr>
+          <p:cNvPr id="2" name="Title 1">
+            <a:extLst>
+              <a:ext uri="{FF2B5EF4-FFF2-40B4-BE49-F238E27FC236}">
+                <a16:creationId xmlns:a16="http://schemas.microsoft.com/office/drawing/2014/main" id="{51B45F39-8C5F-EEB9-5657-AC1CA3381DC9}"/>
+              </a:ext>
+            </a:extLst>
+          </p:cNvPr>
+          <p:cNvSpPr>
+            <a:spLocks noGrp="1"/>
+          </p:cNvSpPr>
+          <p:nvPr>
+            <p:ph type="title"/>
+          </p:nvPr>
+        </p:nvSpPr>
+        <p:spPr>
+          <a:xfrm>
+            <a:off x="0" y="0"/>
+            <a:ext cx="12192000" cy="979714"/>
+          </a:xfrm>
+        </p:spPr>
+        <p:txBody>
+          <a:bodyPr/>
+          <a:lstStyle/>
+          <a:p>
+            <a:r>
+              <a:rPr lang="en-CN" dirty="0"/>
+              <a:t>对象旋转方程</a:t>
+            </a:r>
+          </a:p>
+        </p:txBody>
+      </p:sp>
       <p:sp>
         <p:nvSpPr>
           <p:cNvPr id="3" name="TextBox 2">
@@ -4421,7 +5723,7 @@
         <p:spPr>
           <a:xfrm>
             <a:off x="917824" y="1387013"/>
-            <a:ext cx="10356351" cy="2308324"/>
+            <a:ext cx="10356351" cy="1754326"/>
           </a:xfrm>
           <a:prstGeom prst="rect">
             <a:avLst/>
@@ -4448,14 +5750,8 @@
                 <a:latin typeface="Courier New" panose="02070309020205020404" pitchFamily="49" charset="0"/>
                 <a:cs typeface="Courier New" panose="02070309020205020404" pitchFamily="49" charset="0"/>
               </a:rPr>
-              <a:t>	float rotationSpeed = 1.0f;</a:t>
-            </a:r>
-          </a:p>
-          <a:p>
-            <a:endParaRPr lang="en-CN" b="1" dirty="0">
-              <a:latin typeface="Courier New" panose="02070309020205020404" pitchFamily="49" charset="0"/>
-              <a:cs typeface="Courier New" panose="02070309020205020404" pitchFamily="49" charset="0"/>
-            </a:endParaRPr>
+              <a:t>	xAxisRotation = INPUT_DEVICE.GetAxis(“x”) * rotationSpeed;</a:t>
+            </a:r>
           </a:p>
           <a:p>
             <a:r>
@@ -4463,16 +5759,7 @@
                 <a:latin typeface="Courier New" panose="02070309020205020404" pitchFamily="49" charset="0"/>
                 <a:cs typeface="Courier New" panose="02070309020205020404" pitchFamily="49" charset="0"/>
               </a:rPr>
-              <a:t>	float xAxisRotation = INPUT_DEVICE.GetAxis(“x”) * rotationSpeed;</a:t>
-            </a:r>
-          </a:p>
-          <a:p>
-            <a:r>
-              <a:rPr lang="en-CN" b="1" dirty="0">
-                <a:latin typeface="Courier New" panose="02070309020205020404" pitchFamily="49" charset="0"/>
-                <a:cs typeface="Courier New" panose="02070309020205020404" pitchFamily="49" charset="0"/>
-              </a:rPr>
-              <a:t>	float yAxisRotation = INPUT_DEVICE.GetAxis(“y”) * rotationSpeed;</a:t>
+              <a:t>	yAxisRotation = INPUT_DEVICE.GetAxis(“y”) * rotationSpeed;</a:t>
             </a:r>
           </a:p>
           <a:p>
@@ -4533,8 +5820,8 @@
         </p:blipFill>
         <p:spPr>
           <a:xfrm>
-            <a:off x="4840869" y="4036131"/>
-            <a:ext cx="2510263" cy="2499847"/>
+            <a:off x="4536038" y="3429000"/>
+            <a:ext cx="3119924" cy="3106978"/>
           </a:xfrm>
           <a:prstGeom prst="rect">
             <a:avLst/>
@@ -4695,6 +5982,591 @@
       </p:par>
     </p:tnLst>
   </p:timing>
+</p:sld>
+</file>
+
+<file path=ppt/slides/slide7.xml><?xml version="1.0" encoding="utf-8"?>
+<p:sld xmlns:a="http://schemas.openxmlformats.org/drawingml/2006/main" xmlns:r="http://schemas.openxmlformats.org/officeDocument/2006/relationships" xmlns:p="http://schemas.openxmlformats.org/presentationml/2006/main">
+  <p:cSld>
+    <p:spTree>
+      <p:nvGrpSpPr>
+        <p:cNvPr id="1" name=""/>
+        <p:cNvGrpSpPr/>
+        <p:nvPr/>
+      </p:nvGrpSpPr>
+      <p:grpSpPr>
+        <a:xfrm>
+          <a:off x="0" y="0"/>
+          <a:ext cx="0" cy="0"/>
+          <a:chOff x="0" y="0"/>
+          <a:chExt cx="0" cy="0"/>
+        </a:xfrm>
+      </p:grpSpPr>
+      <p:sp>
+        <p:nvSpPr>
+          <p:cNvPr id="2" name="Title 1">
+            <a:extLst>
+              <a:ext uri="{FF2B5EF4-FFF2-40B4-BE49-F238E27FC236}">
+                <a16:creationId xmlns:a16="http://schemas.microsoft.com/office/drawing/2014/main" id="{51B45F39-8C5F-EEB9-5657-AC1CA3381DC9}"/>
+              </a:ext>
+            </a:extLst>
+          </p:cNvPr>
+          <p:cNvSpPr>
+            <a:spLocks noGrp="1"/>
+          </p:cNvSpPr>
+          <p:nvPr>
+            <p:ph type="title"/>
+          </p:nvPr>
+        </p:nvSpPr>
+        <p:spPr>
+          <a:xfrm>
+            <a:off x="0" y="0"/>
+            <a:ext cx="12192000" cy="979714"/>
+          </a:xfrm>
+        </p:spPr>
+        <p:txBody>
+          <a:bodyPr/>
+          <a:lstStyle/>
+          <a:p>
+            <a:r>
+              <a:rPr lang="en-CN" dirty="0"/>
+              <a:t>对象缩放方程</a:t>
+            </a:r>
+          </a:p>
+        </p:txBody>
+      </p:sp>
+      <p:sp>
+        <p:nvSpPr>
+          <p:cNvPr id="5" name="TextBox 4">
+            <a:extLst>
+              <a:ext uri="{FF2B5EF4-FFF2-40B4-BE49-F238E27FC236}">
+                <a16:creationId xmlns:a16="http://schemas.microsoft.com/office/drawing/2014/main" id="{07F59C2A-0FEC-16DC-758F-6B43BECFCAB3}"/>
+              </a:ext>
+            </a:extLst>
+          </p:cNvPr>
+          <p:cNvSpPr txBox="1"/>
+          <p:nvPr/>
+        </p:nvSpPr>
+        <p:spPr>
+          <a:xfrm>
+            <a:off x="696000" y="1493679"/>
+            <a:ext cx="10800000" cy="369332"/>
+          </a:xfrm>
+          <a:prstGeom prst="rect">
+            <a:avLst/>
+          </a:prstGeom>
+          <a:noFill/>
+        </p:spPr>
+        <p:txBody>
+          <a:bodyPr wrap="square">
+            <a:spAutoFit/>
+          </a:bodyPr>
+          <a:lstStyle/>
+          <a:p>
+            <a:r>
+              <a:rPr lang="zh-CN" altLang="en-US" b="0" i="0" dirty="0">
+                <a:solidFill>
+                  <a:srgbClr val="374151"/>
+                </a:solidFill>
+                <a:effectLst/>
+                <a:latin typeface="Yuanti TC" panose="02010600040101010101" pitchFamily="2" charset="-120"/>
+                <a:ea typeface="Yuanti TC" panose="02010600040101010101" pitchFamily="2" charset="-120"/>
+              </a:rPr>
+              <a:t>假设使用者头部以角速度</a:t>
+            </a:r>
+            <a:r>
+              <a:rPr lang="el-GR" b="0" i="0" dirty="0">
+                <a:solidFill>
+                  <a:srgbClr val="374151"/>
+                </a:solidFill>
+                <a:effectLst/>
+                <a:latin typeface="Yuanti TC" panose="02010600040101010101" pitchFamily="2" charset="-120"/>
+                <a:ea typeface="Yuanti TC" panose="02010600040101010101" pitchFamily="2" charset="-120"/>
+              </a:rPr>
+              <a:t>ω</a:t>
+            </a:r>
+            <a:r>
+              <a:rPr lang="zh-CN" altLang="en-US" b="0" i="0" dirty="0">
+                <a:solidFill>
+                  <a:srgbClr val="374151"/>
+                </a:solidFill>
+                <a:effectLst/>
+                <a:latin typeface="Yuanti TC" panose="02010600040101010101" pitchFamily="2" charset="-120"/>
+                <a:ea typeface="Yuanti TC" panose="02010600040101010101" pitchFamily="2" charset="-120"/>
+              </a:rPr>
+              <a:t>旋转，那么在单位时间</a:t>
+            </a:r>
+            <a:r>
+              <a:rPr lang="en-US" altLang="zh-CN" b="0" i="0" dirty="0">
+                <a:solidFill>
+                  <a:srgbClr val="374151"/>
+                </a:solidFill>
+                <a:effectLst/>
+                <a:latin typeface="Yuanti TC" panose="02010600040101010101" pitchFamily="2" charset="-120"/>
+                <a:ea typeface="Yuanti TC" panose="02010600040101010101" pitchFamily="2" charset="-120"/>
+              </a:rPr>
+              <a:t>t</a:t>
+            </a:r>
+            <a:r>
+              <a:rPr lang="zh-CN" altLang="en-US" b="0" i="0" dirty="0">
+                <a:solidFill>
+                  <a:srgbClr val="374151"/>
+                </a:solidFill>
+                <a:effectLst/>
+                <a:latin typeface="Yuanti TC" panose="02010600040101010101" pitchFamily="2" charset="-120"/>
+                <a:ea typeface="Yuanti TC" panose="02010600040101010101" pitchFamily="2" charset="-120"/>
+              </a:rPr>
+              <a:t>内可以用以下公式来表示对象物体的跟随缩放：</a:t>
+            </a:r>
+            <a:endParaRPr lang="en-CN" dirty="0">
+              <a:latin typeface="Yuanti TC" panose="02010600040101010101" pitchFamily="2" charset="-120"/>
+              <a:ea typeface="Yuanti TC" panose="02010600040101010101" pitchFamily="2" charset="-120"/>
+            </a:endParaRPr>
+          </a:p>
+        </p:txBody>
+      </p:sp>
+      <p:grpSp>
+        <p:nvGrpSpPr>
+          <p:cNvPr id="9" name="Group 8">
+            <a:extLst>
+              <a:ext uri="{FF2B5EF4-FFF2-40B4-BE49-F238E27FC236}">
+                <a16:creationId xmlns:a16="http://schemas.microsoft.com/office/drawing/2014/main" id="{3E5A9FEC-CEB2-53E7-AD18-3819ADD7476D}"/>
+              </a:ext>
+            </a:extLst>
+          </p:cNvPr>
+          <p:cNvGrpSpPr/>
+          <p:nvPr/>
+        </p:nvGrpSpPr>
+        <p:grpSpPr>
+          <a:xfrm>
+            <a:off x="1470437" y="2936534"/>
+            <a:ext cx="9251126" cy="1572162"/>
+            <a:chOff x="842640" y="2379242"/>
+            <a:chExt cx="9251126" cy="1572162"/>
+          </a:xfrm>
+        </p:grpSpPr>
+        <mc:AlternateContent xmlns:mc="http://schemas.openxmlformats.org/markup-compatibility/2006">
+          <mc:Choice xmlns:a14="http://schemas.microsoft.com/office/drawing/2010/main" Requires="a14">
+            <p:sp>
+              <p:nvSpPr>
+                <p:cNvPr id="4" name="TextBox 3">
+                  <a:extLst>
+                    <a:ext uri="{FF2B5EF4-FFF2-40B4-BE49-F238E27FC236}">
+                      <a16:creationId xmlns:a16="http://schemas.microsoft.com/office/drawing/2014/main" id="{9FBB76BA-FFAE-8FC0-5415-03A012291E00}"/>
+                    </a:ext>
+                  </a:extLst>
+                </p:cNvPr>
+                <p:cNvSpPr txBox="1"/>
+                <p:nvPr/>
+              </p:nvSpPr>
+              <p:spPr>
+                <a:xfrm>
+                  <a:off x="4936970" y="2379242"/>
+                  <a:ext cx="5156796" cy="1572162"/>
+                </a:xfrm>
+                <a:prstGeom prst="rect">
+                  <a:avLst/>
+                </a:prstGeom>
+                <a:noFill/>
+              </p:spPr>
+              <p:txBody>
+                <a:bodyPr wrap="none" lIns="0" tIns="0" rIns="0" bIns="0" rtlCol="0">
+                  <a:spAutoFit/>
+                </a:bodyPr>
+                <a:lstStyle/>
+                <a:p>
+                  <a:pPr/>
+                  <a14:m>
+                    <m:oMathPara xmlns:m="http://schemas.openxmlformats.org/officeDocument/2006/math">
+                      <m:oMathParaPr>
+                        <m:jc m:val="center"/>
+                      </m:oMathParaPr>
+                      <m:oMath xmlns:m="http://schemas.openxmlformats.org/officeDocument/2006/math">
+                        <m:r>
+                          <a:rPr lang="en-US" sz="3200" b="0" i="1" smtClean="0">
+                            <a:latin typeface="Cambria Math" panose="02040503050406030204" pitchFamily="18" charset="0"/>
+                            <a:ea typeface="Cambria Math" panose="02040503050406030204" pitchFamily="18" charset="0"/>
+                          </a:rPr>
+                          <m:t>𝐾</m:t>
+                        </m:r>
+                        <m:r>
+                          <a:rPr lang="en-US" sz="3200" b="0" i="1" smtClean="0">
+                            <a:latin typeface="Cambria Math" panose="02040503050406030204" pitchFamily="18" charset="0"/>
+                            <a:ea typeface="Cambria Math" panose="02040503050406030204" pitchFamily="18" charset="0"/>
+                          </a:rPr>
+                          <m:t>=</m:t>
+                        </m:r>
+                        <m:d>
+                          <m:dPr>
+                            <m:begChr m:val="{"/>
+                            <m:endChr m:val=""/>
+                            <m:ctrlPr>
+                              <a:rPr lang="en-US" sz="3200" b="0" i="1" smtClean="0">
+                                <a:latin typeface="Cambria Math" panose="02040503050406030204" pitchFamily="18" charset="0"/>
+                                <a:ea typeface="Cambria Math" panose="02040503050406030204" pitchFamily="18" charset="0"/>
+                              </a:rPr>
+                            </m:ctrlPr>
+                          </m:dPr>
+                          <m:e>
+                            <m:eqArr>
+                              <m:eqArrPr>
+                                <m:ctrlPr>
+                                  <a:rPr lang="en-US" sz="3200" b="0" i="1" smtClean="0">
+                                    <a:latin typeface="Cambria Math" panose="02040503050406030204" pitchFamily="18" charset="0"/>
+                                    <a:ea typeface="Cambria Math" panose="02040503050406030204" pitchFamily="18" charset="0"/>
+                                  </a:rPr>
+                                </m:ctrlPr>
+                              </m:eqArrPr>
+                              <m:e>
+                                <m:r>
+                                  <a:rPr lang="en-US" altLang="zh-CN" sz="3200" i="1">
+                                    <a:latin typeface="Cambria Math" panose="02040503050406030204" pitchFamily="18" charset="0"/>
+                                    <a:ea typeface="Cambria Math" panose="02040503050406030204" pitchFamily="18" charset="0"/>
+                                  </a:rPr>
+                                  <m:t>1+</m:t>
+                                </m:r>
+                                <m:f>
+                                  <m:fPr>
+                                    <m:ctrlPr>
+                                      <a:rPr lang="en-US" altLang="zh-CN" sz="3200" i="1">
+                                        <a:latin typeface="Cambria Math" panose="02040503050406030204" pitchFamily="18" charset="0"/>
+                                        <a:ea typeface="Cambria Math" panose="02040503050406030204" pitchFamily="18" charset="0"/>
+                                      </a:rPr>
+                                    </m:ctrlPr>
+                                  </m:fPr>
+                                  <m:num>
+                                    <m:r>
+                                      <a:rPr lang="en-US" altLang="zh-CN" sz="3200" i="1" smtClean="0">
+                                        <a:latin typeface="Cambria Math" panose="02040503050406030204" pitchFamily="18" charset="0"/>
+                                        <a:ea typeface="Cambria Math" panose="02040503050406030204" pitchFamily="18" charset="0"/>
+                                      </a:rPr>
+                                      <m:t>𝜔</m:t>
+                                    </m:r>
+                                    <m:r>
+                                      <a:rPr lang="en-US" altLang="zh-CN" sz="3200" b="0" i="1" smtClean="0">
+                                        <a:latin typeface="Cambria Math" panose="02040503050406030204" pitchFamily="18" charset="0"/>
+                                        <a:ea typeface="Cambria Math" panose="02040503050406030204" pitchFamily="18" charset="0"/>
+                                      </a:rPr>
+                                      <m:t>𝑡</m:t>
+                                    </m:r>
+                                  </m:num>
+                                  <m:den>
+                                    <m:r>
+                                      <m:rPr>
+                                        <m:sty m:val="p"/>
+                                      </m:rPr>
+                                      <a:rPr lang="en-US" altLang="zh-CN" sz="3200" i="1">
+                                        <a:latin typeface="Cambria Math" panose="02040503050406030204" pitchFamily="18" charset="0"/>
+                                        <a:ea typeface="Cambria Math" panose="02040503050406030204" pitchFamily="18" charset="0"/>
+                                      </a:rPr>
+                                      <m:t>C</m:t>
+                                    </m:r>
+                                  </m:den>
+                                </m:f>
+                                <m:r>
+                                  <a:rPr lang="en-US" altLang="zh-CN" sz="3200" b="0" i="1" smtClean="0">
+                                    <a:latin typeface="Cambria Math" panose="02040503050406030204" pitchFamily="18" charset="0"/>
+                                    <a:ea typeface="Cambria Math" panose="02040503050406030204" pitchFamily="18" charset="0"/>
+                                  </a:rPr>
+                                  <m:t>,    </m:t>
+                                </m:r>
+                                <m:r>
+                                  <a:rPr lang="zh-CN" altLang="en-US" sz="3200" b="0" i="1" smtClean="0">
+                                    <a:latin typeface="Cambria Math" panose="02040503050406030204" pitchFamily="18" charset="0"/>
+                                  </a:rPr>
+                                  <m:t>𝜔</m:t>
+                                </m:r>
+                                <m:r>
+                                  <a:rPr lang="en-US" altLang="zh-CN" sz="3200" b="0" i="1" smtClean="0">
+                                    <a:latin typeface="Cambria Math" panose="02040503050406030204" pitchFamily="18" charset="0"/>
+                                    <a:ea typeface="Cambria Math" panose="02040503050406030204" pitchFamily="18" charset="0"/>
+                                  </a:rPr>
+                                  <m:t>𝑡</m:t>
+                                </m:r>
+                                <m:r>
+                                  <a:rPr lang="en-US" altLang="zh-CN" sz="3200" b="0" i="1" smtClean="0">
+                                    <a:latin typeface="Cambria Math" panose="02040503050406030204" pitchFamily="18" charset="0"/>
+                                    <a:ea typeface="Cambria Math" panose="02040503050406030204" pitchFamily="18" charset="0"/>
+                                  </a:rPr>
+                                  <m:t>&gt;−</m:t>
+                                </m:r>
+                                <m:r>
+                                  <a:rPr lang="en-US" sz="3200" i="1">
+                                    <a:latin typeface="Cambria Math" panose="02040503050406030204" pitchFamily="18" charset="0"/>
+                                    <a:ea typeface="Cambria Math" panose="02040503050406030204" pitchFamily="18" charset="0"/>
+                                  </a:rPr>
+                                  <m:t>𝐶</m:t>
+                                </m:r>
+                              </m:e>
+                              <m:e>
+                                <m:r>
+                                  <a:rPr lang="en-US" sz="3200" b="0" i="1" smtClean="0">
+                                    <a:latin typeface="Cambria Math" panose="02040503050406030204" pitchFamily="18" charset="0"/>
+                                    <a:ea typeface="Cambria Math" panose="02040503050406030204" pitchFamily="18" charset="0"/>
+                                  </a:rPr>
+                                  <m:t>0,                </m:t>
+                                </m:r>
+                                <m:r>
+                                  <a:rPr lang="zh-CN" altLang="en-US" sz="3200" i="1">
+                                    <a:latin typeface="Cambria Math" panose="02040503050406030204" pitchFamily="18" charset="0"/>
+                                  </a:rPr>
+                                  <m:t>𝜔</m:t>
+                                </m:r>
+                                <m:r>
+                                  <a:rPr lang="en-US" altLang="zh-CN" sz="3200" i="1" smtClean="0">
+                                    <a:latin typeface="Cambria Math" panose="02040503050406030204" pitchFamily="18" charset="0"/>
+                                    <a:ea typeface="Cambria Math" panose="02040503050406030204" pitchFamily="18" charset="0"/>
+                                  </a:rPr>
+                                  <m:t>𝑡</m:t>
+                                </m:r>
+                                <m:r>
+                                  <a:rPr lang="en-US" altLang="zh-CN" sz="3200" b="0" i="1" smtClean="0">
+                                    <a:latin typeface="Cambria Math" panose="02040503050406030204" pitchFamily="18" charset="0"/>
+                                    <a:ea typeface="Cambria Math" panose="02040503050406030204" pitchFamily="18" charset="0"/>
+                                  </a:rPr>
+                                  <m:t>&lt;</m:t>
+                                </m:r>
+                                <m:r>
+                                  <a:rPr lang="en-US" altLang="zh-CN" sz="3200" i="1">
+                                    <a:latin typeface="Cambria Math" panose="02040503050406030204" pitchFamily="18" charset="0"/>
+                                    <a:ea typeface="Cambria Math" panose="02040503050406030204" pitchFamily="18" charset="0"/>
+                                  </a:rPr>
+                                  <m:t>−</m:t>
+                                </m:r>
+                                <m:r>
+                                  <a:rPr lang="en-US" sz="3200" i="1">
+                                    <a:latin typeface="Cambria Math" panose="02040503050406030204" pitchFamily="18" charset="0"/>
+                                    <a:ea typeface="Cambria Math" panose="02040503050406030204" pitchFamily="18" charset="0"/>
+                                  </a:rPr>
+                                  <m:t>𝐶</m:t>
+                                </m:r>
+                              </m:e>
+                            </m:eqArr>
+                          </m:e>
+                        </m:d>
+                      </m:oMath>
+                    </m:oMathPara>
+                  </a14:m>
+                  <a:endParaRPr lang="en-CN" sz="3200" dirty="0">
+                    <a:latin typeface="Cambria Math" panose="02040503050406030204" pitchFamily="18" charset="0"/>
+                    <a:ea typeface="Cambria Math" panose="02040503050406030204" pitchFamily="18" charset="0"/>
+                  </a:endParaRPr>
+                </a:p>
+              </p:txBody>
+            </p:sp>
+          </mc:Choice>
+          <mc:Fallback>
+            <p:sp>
+              <p:nvSpPr>
+                <p:cNvPr id="4" name="TextBox 3">
+                  <a:extLst>
+                    <a:ext uri="{FF2B5EF4-FFF2-40B4-BE49-F238E27FC236}">
+                      <a16:creationId xmlns:a16="http://schemas.microsoft.com/office/drawing/2014/main" id="{9FBB76BA-FFAE-8FC0-5415-03A012291E00}"/>
+                    </a:ext>
+                  </a:extLst>
+                </p:cNvPr>
+                <p:cNvSpPr txBox="1">
+                  <a:spLocks noRot="1" noChangeAspect="1" noMove="1" noResize="1" noEditPoints="1" noAdjustHandles="1" noChangeArrowheads="1" noChangeShapeType="1" noTextEdit="1"/>
+                </p:cNvSpPr>
+                <p:nvPr/>
+              </p:nvSpPr>
+              <p:spPr>
+                <a:xfrm>
+                  <a:off x="4936970" y="2379242"/>
+                  <a:ext cx="5156796" cy="1572162"/>
+                </a:xfrm>
+                <a:prstGeom prst="rect">
+                  <a:avLst/>
+                </a:prstGeom>
+                <a:blipFill>
+                  <a:blip r:embed="rId2"/>
+                  <a:stretch>
+                    <a:fillRect l="-40541" t="-232800" r="-737" b="-329600"/>
+                  </a:stretch>
+                </a:blipFill>
+              </p:spPr>
+              <p:txBody>
+                <a:bodyPr/>
+                <a:lstStyle/>
+                <a:p>
+                  <a:r>
+                    <a:rPr lang="en-CN">
+                      <a:noFill/>
+                    </a:rPr>
+                    <a:t> </a:t>
+                  </a:r>
+                </a:p>
+              </p:txBody>
+            </p:sp>
+          </mc:Fallback>
+        </mc:AlternateContent>
+        <mc:AlternateContent xmlns:mc="http://schemas.openxmlformats.org/markup-compatibility/2006">
+          <mc:Choice xmlns:a14="http://schemas.microsoft.com/office/drawing/2010/main" Requires="a14">
+            <p:sp>
+              <p:nvSpPr>
+                <p:cNvPr id="6" name="TextBox 5">
+                  <a:extLst>
+                    <a:ext uri="{FF2B5EF4-FFF2-40B4-BE49-F238E27FC236}">
+                      <a16:creationId xmlns:a16="http://schemas.microsoft.com/office/drawing/2014/main" id="{6BEBD17F-7015-145F-CB2E-B6E27FDB0086}"/>
+                    </a:ext>
+                  </a:extLst>
+                </p:cNvPr>
+                <p:cNvSpPr txBox="1"/>
+                <p:nvPr/>
+              </p:nvSpPr>
+              <p:spPr>
+                <a:xfrm>
+                  <a:off x="842640" y="2916835"/>
+                  <a:ext cx="3329309" cy="492443"/>
+                </a:xfrm>
+                <a:prstGeom prst="rect">
+                  <a:avLst/>
+                </a:prstGeom>
+                <a:noFill/>
+              </p:spPr>
+              <p:txBody>
+                <a:bodyPr wrap="none" lIns="0" tIns="0" rIns="0" bIns="0" rtlCol="0">
+                  <a:spAutoFit/>
+                </a:bodyPr>
+                <a:lstStyle/>
+                <a:p>
+                  <a:pPr/>
+                  <a14:m>
+                    <m:oMathPara xmlns:m="http://schemas.openxmlformats.org/officeDocument/2006/math">
+                      <m:oMathParaPr>
+                        <m:jc m:val="center"/>
+                      </m:oMathParaPr>
+                      <m:oMath xmlns:m="http://schemas.openxmlformats.org/officeDocument/2006/math">
+                        <m:r>
+                          <a:rPr lang="en-US" sz="3200" b="0" i="1" smtClean="0">
+                            <a:latin typeface="Cambria Math" panose="02040503050406030204" pitchFamily="18" charset="0"/>
+                            <a:ea typeface="Cambria Math" panose="02040503050406030204" pitchFamily="18" charset="0"/>
+                          </a:rPr>
+                          <m:t>𝑆𝑐𝑎𝑙</m:t>
+                        </m:r>
+                        <m:sSup>
+                          <m:sSupPr>
+                            <m:ctrlPr>
+                              <a:rPr lang="en-US" sz="3200" b="0" i="1" smtClean="0">
+                                <a:latin typeface="Cambria Math" panose="02040503050406030204" pitchFamily="18" charset="0"/>
+                                <a:ea typeface="Cambria Math" panose="02040503050406030204" pitchFamily="18" charset="0"/>
+                              </a:rPr>
+                            </m:ctrlPr>
+                          </m:sSupPr>
+                          <m:e>
+                            <m:r>
+                              <a:rPr lang="en-US" sz="3200" b="0" i="1" smtClean="0">
+                                <a:latin typeface="Cambria Math" panose="02040503050406030204" pitchFamily="18" charset="0"/>
+                                <a:ea typeface="Cambria Math" panose="02040503050406030204" pitchFamily="18" charset="0"/>
+                              </a:rPr>
+                              <m:t>𝑒</m:t>
+                            </m:r>
+                          </m:e>
+                          <m:sup>
+                            <m:r>
+                              <a:rPr lang="en-US" sz="3200" b="0" i="1" smtClean="0">
+                                <a:latin typeface="Cambria Math" panose="02040503050406030204" pitchFamily="18" charset="0"/>
+                                <a:ea typeface="Cambria Math" panose="02040503050406030204" pitchFamily="18" charset="0"/>
+                              </a:rPr>
+                              <m:t>′</m:t>
+                            </m:r>
+                          </m:sup>
+                        </m:sSup>
+                        <m:r>
+                          <a:rPr lang="en-US" sz="3200" b="0" i="1" smtClean="0">
+                            <a:latin typeface="Cambria Math" panose="02040503050406030204" pitchFamily="18" charset="0"/>
+                            <a:ea typeface="Cambria Math" panose="02040503050406030204" pitchFamily="18" charset="0"/>
+                          </a:rPr>
+                          <m:t>=</m:t>
+                        </m:r>
+                        <m:r>
+                          <a:rPr lang="en-US" sz="3200" b="0" i="1" smtClean="0">
+                            <a:latin typeface="Cambria Math" panose="02040503050406030204" pitchFamily="18" charset="0"/>
+                            <a:ea typeface="Cambria Math" panose="02040503050406030204" pitchFamily="18" charset="0"/>
+                          </a:rPr>
+                          <m:t>𝑆𝑐𝑎𝑙𝑒</m:t>
+                        </m:r>
+                        <m:r>
+                          <a:rPr lang="en-US" sz="3200" b="0" i="1" smtClean="0">
+                            <a:latin typeface="Cambria Math" panose="02040503050406030204" pitchFamily="18" charset="0"/>
+                            <a:ea typeface="Cambria Math" panose="02040503050406030204" pitchFamily="18" charset="0"/>
+                          </a:rPr>
+                          <m:t>⋅</m:t>
+                        </m:r>
+                        <m:r>
+                          <a:rPr lang="en-US" sz="3200" b="0" i="1" smtClean="0">
+                            <a:latin typeface="Cambria Math" panose="02040503050406030204" pitchFamily="18" charset="0"/>
+                            <a:ea typeface="Cambria Math" panose="02040503050406030204" pitchFamily="18" charset="0"/>
+                          </a:rPr>
+                          <m:t>𝐾</m:t>
+                        </m:r>
+                      </m:oMath>
+                    </m:oMathPara>
+                  </a14:m>
+                  <a:endParaRPr lang="en-CN" sz="3200" dirty="0">
+                    <a:latin typeface="Cambria Math" panose="02040503050406030204" pitchFamily="18" charset="0"/>
+                    <a:ea typeface="Cambria Math" panose="02040503050406030204" pitchFamily="18" charset="0"/>
+                  </a:endParaRPr>
+                </a:p>
+              </p:txBody>
+            </p:sp>
+          </mc:Choice>
+          <mc:Fallback>
+            <p:sp>
+              <p:nvSpPr>
+                <p:cNvPr id="6" name="TextBox 5">
+                  <a:extLst>
+                    <a:ext uri="{FF2B5EF4-FFF2-40B4-BE49-F238E27FC236}">
+                      <a16:creationId xmlns:a16="http://schemas.microsoft.com/office/drawing/2014/main" id="{6BEBD17F-7015-145F-CB2E-B6E27FDB0086}"/>
+                    </a:ext>
+                  </a:extLst>
+                </p:cNvPr>
+                <p:cNvSpPr txBox="1">
+                  <a:spLocks noRot="1" noChangeAspect="1" noMove="1" noResize="1" noEditPoints="1" noAdjustHandles="1" noChangeArrowheads="1" noChangeShapeType="1" noTextEdit="1"/>
+                </p:cNvSpPr>
+                <p:nvPr/>
+              </p:nvSpPr>
+              <p:spPr>
+                <a:xfrm>
+                  <a:off x="842640" y="2916835"/>
+                  <a:ext cx="3329309" cy="492443"/>
+                </a:xfrm>
+                <a:prstGeom prst="rect">
+                  <a:avLst/>
+                </a:prstGeom>
+                <a:blipFill>
+                  <a:blip r:embed="rId3"/>
+                  <a:stretch>
+                    <a:fillRect l="-2281" r="-2281" b="-5000"/>
+                  </a:stretch>
+                </a:blipFill>
+              </p:spPr>
+              <p:txBody>
+                <a:bodyPr/>
+                <a:lstStyle/>
+                <a:p>
+                  <a:r>
+                    <a:rPr lang="en-CN">
+                      <a:noFill/>
+                    </a:rPr>
+                    <a:t> </a:t>
+                  </a:r>
+                </a:p>
+              </p:txBody>
+            </p:sp>
+          </mc:Fallback>
+        </mc:AlternateContent>
+      </p:grpSp>
+    </p:spTree>
+    <p:extLst>
+      <p:ext uri="{BB962C8B-B14F-4D97-AF65-F5344CB8AC3E}">
+        <p14:creationId xmlns:p14="http://schemas.microsoft.com/office/powerpoint/2010/main" val="3814885087"/>
+      </p:ext>
+    </p:extLst>
+  </p:cSld>
+  <p:clrMapOvr>
+    <a:masterClrMapping/>
+  </p:clrMapOvr>
 </p:sld>
 </file>
 
@@ -4956,4 +6828,299 @@
     </a:ext>
   </a:extLst>
 </a:theme>
+</file>
+
+<file path=ppt/theme/theme2.xml><?xml version="1.0" encoding="utf-8"?>
+<a:theme xmlns:a="http://schemas.openxmlformats.org/drawingml/2006/main" name="Office Theme">
+  <a:themeElements>
+    <a:clrScheme name="Office">
+      <a:dk1>
+        <a:sysClr val="windowText" lastClr="000000"/>
+      </a:dk1>
+      <a:lt1>
+        <a:sysClr val="window" lastClr="FFFFFF"/>
+      </a:lt1>
+      <a:dk2>
+        <a:srgbClr val="44546A"/>
+      </a:dk2>
+      <a:lt2>
+        <a:srgbClr val="E7E6E6"/>
+      </a:lt2>
+      <a:accent1>
+        <a:srgbClr val="4472C4"/>
+      </a:accent1>
+      <a:accent2>
+        <a:srgbClr val="ED7D31"/>
+      </a:accent2>
+      <a:accent3>
+        <a:srgbClr val="A5A5A5"/>
+      </a:accent3>
+      <a:accent4>
+        <a:srgbClr val="FFC000"/>
+      </a:accent4>
+      <a:accent5>
+        <a:srgbClr val="5B9BD5"/>
+      </a:accent5>
+      <a:accent6>
+        <a:srgbClr val="70AD47"/>
+      </a:accent6>
+      <a:hlink>
+        <a:srgbClr val="0563C1"/>
+      </a:hlink>
+      <a:folHlink>
+        <a:srgbClr val="954F72"/>
+      </a:folHlink>
+    </a:clrScheme>
+    <a:fontScheme name="Office">
+      <a:majorFont>
+        <a:latin typeface="Calibri Light" panose="020F0302020204030204"/>
+        <a:ea typeface=""/>
+        <a:cs typeface=""/>
+        <a:font script="Jpan" typeface="游ゴシック Light"/>
+        <a:font script="Hang" typeface="맑은 고딕"/>
+        <a:font script="Hans" typeface="等线 Light"/>
+        <a:font script="Hant" typeface="新細明體"/>
+        <a:font script="Arab" typeface="Times New Roman"/>
+        <a:font script="Hebr" typeface="Times New Roman"/>
+        <a:font script="Thai" typeface="Angsana New"/>
+        <a:font script="Ethi" typeface="Nyala"/>
+        <a:font script="Beng" typeface="Vrinda"/>
+        <a:font script="Gujr" typeface="Shruti"/>
+        <a:font script="Khmr" typeface="MoolBoran"/>
+        <a:font script="Knda" typeface="Tunga"/>
+        <a:font script="Guru" typeface="Raavi"/>
+        <a:font script="Cans" typeface="Euphemia"/>
+        <a:font script="Cher" typeface="Plantagenet Cherokee"/>
+        <a:font script="Yiii" typeface="Microsoft Yi Baiti"/>
+        <a:font script="Tibt" typeface="Microsoft Himalaya"/>
+        <a:font script="Thaa" typeface="MV Boli"/>
+        <a:font script="Deva" typeface="Mangal"/>
+        <a:font script="Telu" typeface="Gautami"/>
+        <a:font script="Taml" typeface="Latha"/>
+        <a:font script="Syrc" typeface="Estrangelo Edessa"/>
+        <a:font script="Orya" typeface="Kalinga"/>
+        <a:font script="Mlym" typeface="Kartika"/>
+        <a:font script="Laoo" typeface="DokChampa"/>
+        <a:font script="Sinh" typeface="Iskoola Pota"/>
+        <a:font script="Mong" typeface="Mongolian Baiti"/>
+        <a:font script="Viet" typeface="Times New Roman"/>
+        <a:font script="Uigh" typeface="Microsoft Uighur"/>
+        <a:font script="Geor" typeface="Sylfaen"/>
+        <a:font script="Armn" typeface="Arial"/>
+        <a:font script="Bugi" typeface="Leelawadee UI"/>
+        <a:font script="Bopo" typeface="Microsoft JhengHei"/>
+        <a:font script="Java" typeface="Javanese Text"/>
+        <a:font script="Lisu" typeface="Segoe UI"/>
+        <a:font script="Mymr" typeface="Myanmar Text"/>
+        <a:font script="Nkoo" typeface="Ebrima"/>
+        <a:font script="Olck" typeface="Nirmala UI"/>
+        <a:font script="Osma" typeface="Ebrima"/>
+        <a:font script="Phag" typeface="Phagspa"/>
+        <a:font script="Syrn" typeface="Estrangelo Edessa"/>
+        <a:font script="Syrj" typeface="Estrangelo Edessa"/>
+        <a:font script="Syre" typeface="Estrangelo Edessa"/>
+        <a:font script="Sora" typeface="Nirmala UI"/>
+        <a:font script="Tale" typeface="Microsoft Tai Le"/>
+        <a:font script="Talu" typeface="Microsoft New Tai Lue"/>
+        <a:font script="Tfng" typeface="Ebrima"/>
+      </a:majorFont>
+      <a:minorFont>
+        <a:latin typeface="Calibri" panose="020F0502020204030204"/>
+        <a:ea typeface=""/>
+        <a:cs typeface=""/>
+        <a:font script="Jpan" typeface="游ゴシック"/>
+        <a:font script="Hang" typeface="맑은 고딕"/>
+        <a:font script="Hans" typeface="等线"/>
+        <a:font script="Hant" typeface="新細明體"/>
+        <a:font script="Arab" typeface="Arial"/>
+        <a:font script="Hebr" typeface="Arial"/>
+        <a:font script="Thai" typeface="Cordia New"/>
+        <a:font script="Ethi" typeface="Nyala"/>
+        <a:font script="Beng" typeface="Vrinda"/>
+        <a:font script="Gujr" typeface="Shruti"/>
+        <a:font script="Khmr" typeface="DaunPenh"/>
+        <a:font script="Knda" typeface="Tunga"/>
+        <a:font script="Guru" typeface="Raavi"/>
+        <a:font script="Cans" typeface="Euphemia"/>
+        <a:font script="Cher" typeface="Plantagenet Cherokee"/>
+        <a:font script="Yiii" typeface="Microsoft Yi Baiti"/>
+        <a:font script="Tibt" typeface="Microsoft Himalaya"/>
+        <a:font script="Thaa" typeface="MV Boli"/>
+        <a:font script="Deva" typeface="Mangal"/>
+        <a:font script="Telu" typeface="Gautami"/>
+        <a:font script="Taml" typeface="Latha"/>
+        <a:font script="Syrc" typeface="Estrangelo Edessa"/>
+        <a:font script="Orya" typeface="Kalinga"/>
+        <a:font script="Mlym" typeface="Kartika"/>
+        <a:font script="Laoo" typeface="DokChampa"/>
+        <a:font script="Sinh" typeface="Iskoola Pota"/>
+        <a:font script="Mong" typeface="Mongolian Baiti"/>
+        <a:font script="Viet" typeface="Arial"/>
+        <a:font script="Uigh" typeface="Microsoft Uighur"/>
+        <a:font script="Geor" typeface="Sylfaen"/>
+        <a:font script="Armn" typeface="Arial"/>
+        <a:font script="Bugi" typeface="Leelawadee UI"/>
+        <a:font script="Bopo" typeface="Microsoft JhengHei"/>
+        <a:font script="Java" typeface="Javanese Text"/>
+        <a:font script="Lisu" typeface="Segoe UI"/>
+        <a:font script="Mymr" typeface="Myanmar Text"/>
+        <a:font script="Nkoo" typeface="Ebrima"/>
+        <a:font script="Olck" typeface="Nirmala UI"/>
+        <a:font script="Osma" typeface="Ebrima"/>
+        <a:font script="Phag" typeface="Phagspa"/>
+        <a:font script="Syrn" typeface="Estrangelo Edessa"/>
+        <a:font script="Syrj" typeface="Estrangelo Edessa"/>
+        <a:font script="Syre" typeface="Estrangelo Edessa"/>
+        <a:font script="Sora" typeface="Nirmala UI"/>
+        <a:font script="Tale" typeface="Microsoft Tai Le"/>
+        <a:font script="Talu" typeface="Microsoft New Tai Lue"/>
+        <a:font script="Tfng" typeface="Ebrima"/>
+      </a:minorFont>
+    </a:fontScheme>
+    <a:fmtScheme name="Office">
+      <a:fillStyleLst>
+        <a:solidFill>
+          <a:schemeClr val="phClr"/>
+        </a:solidFill>
+        <a:gradFill rotWithShape="1">
+          <a:gsLst>
+            <a:gs pos="0">
+              <a:schemeClr val="phClr">
+                <a:lumMod val="110000"/>
+                <a:satMod val="105000"/>
+                <a:tint val="67000"/>
+              </a:schemeClr>
+            </a:gs>
+            <a:gs pos="50000">
+              <a:schemeClr val="phClr">
+                <a:lumMod val="105000"/>
+                <a:satMod val="103000"/>
+                <a:tint val="73000"/>
+              </a:schemeClr>
+            </a:gs>
+            <a:gs pos="100000">
+              <a:schemeClr val="phClr">
+                <a:lumMod val="105000"/>
+                <a:satMod val="109000"/>
+                <a:tint val="81000"/>
+              </a:schemeClr>
+            </a:gs>
+          </a:gsLst>
+          <a:lin ang="5400000" scaled="0"/>
+        </a:gradFill>
+        <a:gradFill rotWithShape="1">
+          <a:gsLst>
+            <a:gs pos="0">
+              <a:schemeClr val="phClr">
+                <a:satMod val="103000"/>
+                <a:lumMod val="102000"/>
+                <a:tint val="94000"/>
+              </a:schemeClr>
+            </a:gs>
+            <a:gs pos="50000">
+              <a:schemeClr val="phClr">
+                <a:satMod val="110000"/>
+                <a:lumMod val="100000"/>
+                <a:shade val="100000"/>
+              </a:schemeClr>
+            </a:gs>
+            <a:gs pos="100000">
+              <a:schemeClr val="phClr">
+                <a:lumMod val="99000"/>
+                <a:satMod val="120000"/>
+                <a:shade val="78000"/>
+              </a:schemeClr>
+            </a:gs>
+          </a:gsLst>
+          <a:lin ang="5400000" scaled="0"/>
+        </a:gradFill>
+      </a:fillStyleLst>
+      <a:lnStyleLst>
+        <a:ln w="6350" cap="flat" cmpd="sng" algn="ctr">
+          <a:solidFill>
+            <a:schemeClr val="phClr"/>
+          </a:solidFill>
+          <a:prstDash val="solid"/>
+          <a:miter lim="800000"/>
+        </a:ln>
+        <a:ln w="12700" cap="flat" cmpd="sng" algn="ctr">
+          <a:solidFill>
+            <a:schemeClr val="phClr"/>
+          </a:solidFill>
+          <a:prstDash val="solid"/>
+          <a:miter lim="800000"/>
+        </a:ln>
+        <a:ln w="19050" cap="flat" cmpd="sng" algn="ctr">
+          <a:solidFill>
+            <a:schemeClr val="phClr"/>
+          </a:solidFill>
+          <a:prstDash val="solid"/>
+          <a:miter lim="800000"/>
+        </a:ln>
+      </a:lnStyleLst>
+      <a:effectStyleLst>
+        <a:effectStyle>
+          <a:effectLst/>
+        </a:effectStyle>
+        <a:effectStyle>
+          <a:effectLst/>
+        </a:effectStyle>
+        <a:effectStyle>
+          <a:effectLst>
+            <a:outerShdw blurRad="57150" dist="19050" dir="5400000" algn="ctr" rotWithShape="0">
+              <a:srgbClr val="000000">
+                <a:alpha val="63000"/>
+              </a:srgbClr>
+            </a:outerShdw>
+          </a:effectLst>
+        </a:effectStyle>
+      </a:effectStyleLst>
+      <a:bgFillStyleLst>
+        <a:solidFill>
+          <a:schemeClr val="phClr"/>
+        </a:solidFill>
+        <a:solidFill>
+          <a:schemeClr val="phClr">
+            <a:tint val="95000"/>
+            <a:satMod val="170000"/>
+          </a:schemeClr>
+        </a:solidFill>
+        <a:gradFill rotWithShape="1">
+          <a:gsLst>
+            <a:gs pos="0">
+              <a:schemeClr val="phClr">
+                <a:tint val="93000"/>
+                <a:satMod val="150000"/>
+                <a:shade val="98000"/>
+                <a:lumMod val="102000"/>
+              </a:schemeClr>
+            </a:gs>
+            <a:gs pos="50000">
+              <a:schemeClr val="phClr">
+                <a:tint val="98000"/>
+                <a:satMod val="130000"/>
+                <a:shade val="90000"/>
+                <a:lumMod val="103000"/>
+              </a:schemeClr>
+            </a:gs>
+            <a:gs pos="100000">
+              <a:schemeClr val="phClr">
+                <a:shade val="63000"/>
+                <a:satMod val="120000"/>
+              </a:schemeClr>
+            </a:gs>
+          </a:gsLst>
+          <a:lin ang="5400000" scaled="0"/>
+        </a:gradFill>
+      </a:bgFillStyleLst>
+    </a:fmtScheme>
+  </a:themeElements>
+  <a:objectDefaults/>
+  <a:extraClrSchemeLst/>
+  <a:extLst>
+    <a:ext uri="{05A4C25C-085E-4340-85A3-A5531E510DB2}">
+      <thm15:themeFamily xmlns:thm15="http://schemas.microsoft.com/office/thememl/2012/main" name="Office Theme" id="{62F939B6-93AF-4DB8-9C6B-D6C7DFDC589F}" vid="{4A3C46E8-61CC-4603-A589-7422A47A8E4A}"/>
+    </a:ext>
+  </a:extLst>
+</a:theme>
 </file>
--- a/PAPERWORK/组会PPT/第一次组会.pptx
+++ b/PAPERWORK/组会PPT/第一次组会.pptx
@@ -5,16 +5,17 @@
     <p:sldMasterId id="2147483696" r:id="rId1"/>
   </p:sldMasterIdLst>
   <p:notesMasterIdLst>
-    <p:notesMasterId r:id="rId9"/>
+    <p:notesMasterId r:id="rId10"/>
   </p:notesMasterIdLst>
   <p:sldIdLst>
     <p:sldId id="256" r:id="rId2"/>
     <p:sldId id="257" r:id="rId3"/>
     <p:sldId id="258" r:id="rId4"/>
     <p:sldId id="259" r:id="rId5"/>
-    <p:sldId id="261" r:id="rId6"/>
-    <p:sldId id="260" r:id="rId7"/>
-    <p:sldId id="262" r:id="rId8"/>
+    <p:sldId id="264" r:id="rId6"/>
+    <p:sldId id="261" r:id="rId7"/>
+    <p:sldId id="260" r:id="rId8"/>
+    <p:sldId id="262" r:id="rId9"/>
   </p:sldIdLst>
   <p:sldSz cx="12192000" cy="6858000"/>
   <p:notesSz cx="6858000" cy="9144000"/>
@@ -203,7 +204,7 @@
           <a:p>
             <a:fld id="{819D9535-0212-684B-A2CC-9B55B79E88FD}" type="datetimeFigureOut">
               <a:rPr lang="en-CN" smtClean="0"/>
-              <a:t>2023/3/3</a:t>
+              <a:t>2023/3/6</a:t>
             </a:fld>
             <a:endParaRPr lang="en-CN"/>
           </a:p>
@@ -787,7 +788,7 @@
           <a:p>
             <a:fld id="{77BB6F1F-69B2-0044-A5AC-8A0964F03319}" type="slidenum">
               <a:rPr lang="en-CN" smtClean="0"/>
-              <a:t>5</a:t>
+              <a:t>6</a:t>
             </a:fld>
             <a:endParaRPr lang="en-CN"/>
           </a:p>
@@ -969,7 +970,7 @@
           <a:p>
             <a:fld id="{1160EA64-D806-43AC-9DF2-F8C432F32B4C}" type="datetimeFigureOut">
               <a:rPr lang="en-US" dirty="0"/>
-              <a:t>3/3/23</a:t>
+              <a:t>3/6/23</a:t>
             </a:fld>
             <a:endParaRPr lang="en-US" dirty="0"/>
           </a:p>
@@ -1135,7 +1136,7 @@
           <a:p>
             <a:fld id="{E9F9C37B-1D36-470B-8223-D6C91242EC14}" type="datetimeFigureOut">
               <a:rPr lang="en-US" dirty="0"/>
-              <a:t>3/3/23</a:t>
+              <a:t>3/6/23</a:t>
             </a:fld>
             <a:endParaRPr lang="en-US" dirty="0"/>
           </a:p>
@@ -1310,7 +1311,7 @@
           <a:p>
             <a:fld id="{67C6F52A-A82B-47A2-A83A-8C4C91F2D59F}" type="datetimeFigureOut">
               <a:rPr lang="en-US" dirty="0"/>
-              <a:t>3/3/23</a:t>
+              <a:t>3/6/23</a:t>
             </a:fld>
             <a:endParaRPr lang="en-US" dirty="0"/>
           </a:p>
@@ -1475,7 +1476,7 @@
           <a:p>
             <a:fld id="{F070A7B3-6521-4DCA-87E5-044747A908C1}" type="datetimeFigureOut">
               <a:rPr lang="en-US" dirty="0"/>
-              <a:t>3/3/23</a:t>
+              <a:t>3/6/23</a:t>
             </a:fld>
             <a:endParaRPr lang="en-US" dirty="0"/>
           </a:p>
@@ -1739,7 +1740,7 @@
           <a:p>
             <a:fld id="{1160EA64-D806-43AC-9DF2-F8C432F32B4C}" type="datetimeFigureOut">
               <a:rPr lang="en-US" dirty="0"/>
-              <a:t>3/3/23</a:t>
+              <a:t>3/6/23</a:t>
             </a:fld>
             <a:endParaRPr lang="en-US" dirty="0"/>
           </a:p>
@@ -1967,7 +1968,7 @@
           <a:p>
             <a:fld id="{AB134690-1557-4C89-A502-4959FE7FAD70}" type="datetimeFigureOut">
               <a:rPr lang="en-US" dirty="0"/>
-              <a:t>3/3/23</a:t>
+              <a:t>3/6/23</a:t>
             </a:fld>
             <a:endParaRPr lang="en-US" dirty="0"/>
           </a:p>
@@ -2321,7 +2322,7 @@
           <a:p>
             <a:fld id="{4F7D4976-E339-4826-83B7-FBD03F55ECF8}" type="datetimeFigureOut">
               <a:rPr lang="en-US" dirty="0"/>
-              <a:t>3/3/23</a:t>
+              <a:t>3/6/23</a:t>
             </a:fld>
             <a:endParaRPr lang="en-US" dirty="0"/>
           </a:p>
@@ -2457,7 +2458,7 @@
           <a:p>
             <a:fld id="{E1037C31-9E7A-4F99-8774-A0E530DE1A42}" type="datetimeFigureOut">
               <a:rPr lang="en-US" dirty="0"/>
-              <a:t>3/3/23</a:t>
+              <a:t>3/6/23</a:t>
             </a:fld>
             <a:endParaRPr lang="en-US" dirty="0"/>
           </a:p>
@@ -2547,7 +2548,7 @@
           <a:p>
             <a:fld id="{C278504F-A551-4DE0-9316-4DCD1D8CC752}" type="datetimeFigureOut">
               <a:rPr lang="en-US" dirty="0"/>
-              <a:t>3/3/23</a:t>
+              <a:t>3/6/23</a:t>
             </a:fld>
             <a:endParaRPr lang="en-US" dirty="0"/>
           </a:p>
@@ -2899,7 +2900,7 @@
           <a:p>
             <a:fld id="{D1BE4249-C0D0-4B06-8692-E8BB871AF643}" type="datetimeFigureOut">
               <a:rPr lang="en-US" dirty="0"/>
-              <a:t>3/3/23</a:t>
+              <a:t>3/6/23</a:t>
             </a:fld>
             <a:endParaRPr lang="en-US" dirty="0"/>
           </a:p>
@@ -3251,7 +3252,7 @@
           <a:p>
             <a:fld id="{042B0DB6-F5C7-45FB-8CF3-31B45F9C2DAC}" type="datetimeFigureOut">
               <a:rPr lang="en-US" dirty="0"/>
-              <a:t>3/3/23</a:t>
+              <a:t>3/6/23</a:t>
             </a:fld>
             <a:endParaRPr lang="en-US" dirty="0"/>
           </a:p>
@@ -3488,7 +3489,7 @@
           <a:p>
             <a:fld id="{1160EA64-D806-43AC-9DF2-F8C432F32B4C}" type="datetimeFigureOut">
               <a:rPr lang="en-US" dirty="0"/>
-              <a:t>3/3/23</a:t>
+              <a:t>3/6/23</a:t>
             </a:fld>
             <a:endParaRPr lang="en-US" dirty="0"/>
           </a:p>
@@ -5111,13 +5112,342 @@
           <a:p>
             <a:r>
               <a:rPr lang="en-CN" dirty="0"/>
+              <a:t>User</a:t>
+            </a:r>
+            <a:r>
+              <a:rPr lang="zh-CN" altLang="en-US" dirty="0"/>
+              <a:t> </a:t>
+            </a:r>
+            <a:r>
+              <a:rPr lang="en-US" altLang="zh-CN" dirty="0"/>
+              <a:t>study</a:t>
+            </a:r>
+            <a:endParaRPr lang="en-CN" dirty="0"/>
+          </a:p>
+        </p:txBody>
+      </p:sp>
+      <p:sp>
+        <p:nvSpPr>
+          <p:cNvPr id="4" name="TextBox 3">
+            <a:extLst>
+              <a:ext uri="{FF2B5EF4-FFF2-40B4-BE49-F238E27FC236}">
+                <a16:creationId xmlns:a16="http://schemas.microsoft.com/office/drawing/2014/main" id="{324CDDBA-73EE-BD0D-4AEE-65CA2F057994}"/>
+              </a:ext>
+            </a:extLst>
+          </p:cNvPr>
+          <p:cNvSpPr txBox="1"/>
+          <p:nvPr/>
+        </p:nvSpPr>
+        <p:spPr>
+          <a:xfrm>
+            <a:off x="1091513" y="1480321"/>
+            <a:ext cx="10008973" cy="3644524"/>
+          </a:xfrm>
+          <a:prstGeom prst="rect">
+            <a:avLst/>
+          </a:prstGeom>
+          <a:noFill/>
+        </p:spPr>
+        <p:txBody>
+          <a:bodyPr wrap="square" rtlCol="0">
+            <a:spAutoFit/>
+          </a:bodyPr>
+          <a:lstStyle/>
+          <a:p>
+            <a:pPr marL="342900" indent="-342900">
+              <a:lnSpc>
+                <a:spcPct val="150000"/>
+              </a:lnSpc>
+              <a:buFont typeface="+mj-lt"/>
+              <a:buAutoNum type="arabicPeriod"/>
+            </a:pPr>
+            <a:r>
+              <a:rPr lang="en-US" sz="2800" dirty="0" err="1">
+                <a:latin typeface="Yuanti TC" panose="02010600040101010101" pitchFamily="2" charset="-120"/>
+                <a:ea typeface="Yuanti TC" panose="02010600040101010101" pitchFamily="2" charset="-120"/>
+              </a:rPr>
+              <a:t>测试指向以及选择的精确性</a:t>
+            </a:r>
+            <a:endParaRPr lang="en-US" sz="2800" dirty="0">
+              <a:latin typeface="Yuanti TC" panose="02010600040101010101" pitchFamily="2" charset="-120"/>
+              <a:ea typeface="Yuanti TC" panose="02010600040101010101" pitchFamily="2" charset="-120"/>
+            </a:endParaRPr>
+          </a:p>
+          <a:p>
+            <a:pPr lvl="1">
+              <a:lnSpc>
+                <a:spcPct val="150000"/>
+              </a:lnSpc>
+            </a:pPr>
+            <a:r>
+              <a:rPr lang="en-US" sz="2400" dirty="0" err="1">
+                <a:solidFill>
+                  <a:schemeClr val="bg1">
+                    <a:lumMod val="50000"/>
+                  </a:schemeClr>
+                </a:solidFill>
+                <a:latin typeface="Yuanti TC" panose="02010600040101010101" pitchFamily="2" charset="-120"/>
+                <a:ea typeface="Yuanti TC" panose="02010600040101010101" pitchFamily="2" charset="-120"/>
+              </a:rPr>
+              <a:t>复用Eye</a:t>
+            </a:r>
+            <a:r>
+              <a:rPr lang="zh-CN" altLang="en-US" sz="2400" dirty="0">
+                <a:solidFill>
+                  <a:schemeClr val="bg1">
+                    <a:lumMod val="50000"/>
+                  </a:schemeClr>
+                </a:solidFill>
+                <a:latin typeface="Yuanti TC" panose="02010600040101010101" pitchFamily="2" charset="-120"/>
+                <a:ea typeface="Yuanti TC" panose="02010600040101010101" pitchFamily="2" charset="-120"/>
+              </a:rPr>
+              <a:t> </a:t>
+            </a:r>
+            <a:r>
+              <a:rPr lang="en-US" altLang="zh-CN" sz="2400" dirty="0">
+                <a:solidFill>
+                  <a:schemeClr val="bg1">
+                    <a:lumMod val="50000"/>
+                  </a:schemeClr>
+                </a:solidFill>
+                <a:latin typeface="Yuanti TC" panose="02010600040101010101" pitchFamily="2" charset="-120"/>
+                <a:ea typeface="Yuanti TC" panose="02010600040101010101" pitchFamily="2" charset="-120"/>
+              </a:rPr>
+              <a:t>&amp;</a:t>
+            </a:r>
+            <a:r>
+              <a:rPr lang="zh-CN" altLang="en-US" sz="2400" dirty="0">
+                <a:solidFill>
+                  <a:schemeClr val="bg1">
+                    <a:lumMod val="50000"/>
+                  </a:schemeClr>
+                </a:solidFill>
+                <a:latin typeface="Yuanti TC" panose="02010600040101010101" pitchFamily="2" charset="-120"/>
+                <a:ea typeface="Yuanti TC" panose="02010600040101010101" pitchFamily="2" charset="-120"/>
+              </a:rPr>
+              <a:t> </a:t>
+            </a:r>
+            <a:r>
+              <a:rPr lang="en-US" altLang="zh-CN" sz="2400" dirty="0">
+                <a:solidFill>
+                  <a:schemeClr val="bg1">
+                    <a:lumMod val="50000"/>
+                  </a:schemeClr>
+                </a:solidFill>
+                <a:latin typeface="Yuanti TC" panose="02010600040101010101" pitchFamily="2" charset="-120"/>
+                <a:ea typeface="Yuanti TC" panose="02010600040101010101" pitchFamily="2" charset="-120"/>
+              </a:rPr>
+              <a:t>Head</a:t>
+            </a:r>
+            <a:r>
+              <a:rPr lang="zh-CN" altLang="en-US" sz="2400" dirty="0">
+                <a:solidFill>
+                  <a:schemeClr val="bg1">
+                    <a:lumMod val="50000"/>
+                  </a:schemeClr>
+                </a:solidFill>
+                <a:latin typeface="Yuanti TC" panose="02010600040101010101" pitchFamily="2" charset="-120"/>
+                <a:ea typeface="Yuanti TC" panose="02010600040101010101" pitchFamily="2" charset="-120"/>
+              </a:rPr>
+              <a:t>的用户实验与之比较</a:t>
+            </a:r>
+            <a:endParaRPr lang="en-US" sz="2800" dirty="0">
+              <a:solidFill>
+                <a:schemeClr val="bg1">
+                  <a:lumMod val="50000"/>
+                </a:schemeClr>
+              </a:solidFill>
+              <a:latin typeface="Yuanti TC" panose="02010600040101010101" pitchFamily="2" charset="-120"/>
+              <a:ea typeface="Yuanti TC" panose="02010600040101010101" pitchFamily="2" charset="-120"/>
+            </a:endParaRPr>
+          </a:p>
+          <a:p>
+            <a:pPr marL="342900" indent="-342900">
+              <a:lnSpc>
+                <a:spcPct val="150000"/>
+              </a:lnSpc>
+              <a:buFont typeface="+mj-lt"/>
+              <a:buAutoNum type="arabicPeriod"/>
+            </a:pPr>
+            <a:r>
+              <a:rPr lang="zh-CN" altLang="en-US" sz="2800" dirty="0">
+                <a:latin typeface="Yuanti TC" panose="02010600040101010101" pitchFamily="2" charset="-120"/>
+                <a:ea typeface="Yuanti TC" panose="02010600040101010101" pitchFamily="2" charset="-120"/>
+              </a:rPr>
+              <a:t>测试物体空间位移</a:t>
+            </a:r>
+            <a:endParaRPr lang="en-US" altLang="zh-CN" sz="2800" dirty="0">
+              <a:latin typeface="Yuanti TC" panose="02010600040101010101" pitchFamily="2" charset="-120"/>
+              <a:ea typeface="Yuanti TC" panose="02010600040101010101" pitchFamily="2" charset="-120"/>
+            </a:endParaRPr>
+          </a:p>
+          <a:p>
+            <a:pPr lvl="1">
+              <a:lnSpc>
+                <a:spcPct val="150000"/>
+              </a:lnSpc>
+            </a:pPr>
+            <a:r>
+              <a:rPr lang="zh-CN" altLang="en-US" sz="2400" dirty="0">
+                <a:solidFill>
+                  <a:schemeClr val="bg1">
+                    <a:lumMod val="50000"/>
+                  </a:schemeClr>
+                </a:solidFill>
+                <a:latin typeface="Yuanti TC" panose="02010600040101010101" pitchFamily="2" charset="-120"/>
+                <a:ea typeface="Yuanti TC" panose="02010600040101010101" pitchFamily="2" charset="-120"/>
+              </a:rPr>
+              <a:t>复用</a:t>
+            </a:r>
+            <a:r>
+              <a:rPr lang="en-US" altLang="zh-CN" sz="2400" dirty="0" err="1">
+                <a:solidFill>
+                  <a:schemeClr val="bg1">
+                    <a:lumMod val="50000"/>
+                  </a:schemeClr>
+                </a:solidFill>
+                <a:latin typeface="Yuanti TC" panose="02010600040101010101" pitchFamily="2" charset="-120"/>
+                <a:ea typeface="Yuanti TC" panose="02010600040101010101" pitchFamily="2" charset="-120"/>
+              </a:rPr>
+              <a:t>OrthoGaze</a:t>
+            </a:r>
+            <a:r>
+              <a:rPr lang="zh-CN" altLang="en-US" sz="2400" dirty="0">
+                <a:solidFill>
+                  <a:schemeClr val="bg1">
+                    <a:lumMod val="50000"/>
+                  </a:schemeClr>
+                </a:solidFill>
+                <a:latin typeface="Yuanti TC" panose="02010600040101010101" pitchFamily="2" charset="-120"/>
+                <a:ea typeface="Yuanti TC" panose="02010600040101010101" pitchFamily="2" charset="-120"/>
+              </a:rPr>
+              <a:t>的用户实验与之比较</a:t>
+            </a:r>
+            <a:endParaRPr lang="en-US" altLang="zh-CN" sz="2800" dirty="0">
+              <a:solidFill>
+                <a:schemeClr val="bg1">
+                  <a:lumMod val="50000"/>
+                </a:schemeClr>
+              </a:solidFill>
+              <a:latin typeface="Yuanti TC" panose="02010600040101010101" pitchFamily="2" charset="-120"/>
+              <a:ea typeface="Yuanti TC" panose="02010600040101010101" pitchFamily="2" charset="-120"/>
+            </a:endParaRPr>
+          </a:p>
+          <a:p>
+            <a:pPr marL="342900" indent="-342900">
+              <a:lnSpc>
+                <a:spcPct val="150000"/>
+              </a:lnSpc>
+              <a:buFont typeface="+mj-lt"/>
+              <a:buAutoNum type="arabicPeriod"/>
+            </a:pPr>
+            <a:r>
+              <a:rPr lang="zh-CN" altLang="en-US" sz="2800" dirty="0">
+                <a:latin typeface="Yuanti TC" panose="02010600040101010101" pitchFamily="2" charset="-120"/>
+                <a:ea typeface="Yuanti TC" panose="02010600040101010101" pitchFamily="2" charset="-120"/>
+              </a:rPr>
+              <a:t>测试物体空间变换</a:t>
+            </a:r>
+            <a:endParaRPr lang="en-US" altLang="zh-CN" sz="2800" dirty="0">
+              <a:latin typeface="Yuanti TC" panose="02010600040101010101" pitchFamily="2" charset="-120"/>
+              <a:ea typeface="Yuanti TC" panose="02010600040101010101" pitchFamily="2" charset="-120"/>
+            </a:endParaRPr>
+          </a:p>
+          <a:p>
+            <a:pPr lvl="1">
+              <a:lnSpc>
+                <a:spcPct val="150000"/>
+              </a:lnSpc>
+            </a:pPr>
+            <a:r>
+              <a:rPr lang="zh-CN" altLang="en-US" sz="2400" dirty="0">
+                <a:solidFill>
+                  <a:schemeClr val="bg1">
+                    <a:lumMod val="50000"/>
+                  </a:schemeClr>
+                </a:solidFill>
+                <a:latin typeface="Yuanti TC" panose="02010600040101010101" pitchFamily="2" charset="-120"/>
+                <a:ea typeface="Yuanti TC" panose="02010600040101010101" pitchFamily="2" charset="-120"/>
+              </a:rPr>
+              <a:t>自行设计一种涵盖位移、旋转、缩放的“对接”实验</a:t>
+            </a:r>
+            <a:endParaRPr lang="en-US" altLang="zh-CN" sz="2800" dirty="0">
+              <a:solidFill>
+                <a:schemeClr val="bg1">
+                  <a:lumMod val="50000"/>
+                </a:schemeClr>
+              </a:solidFill>
+              <a:latin typeface="Yuanti TC" panose="02010600040101010101" pitchFamily="2" charset="-120"/>
+              <a:ea typeface="Yuanti TC" panose="02010600040101010101" pitchFamily="2" charset="-120"/>
+            </a:endParaRPr>
+          </a:p>
+        </p:txBody>
+      </p:sp>
+    </p:spTree>
+    <p:extLst>
+      <p:ext uri="{BB962C8B-B14F-4D97-AF65-F5344CB8AC3E}">
+        <p14:creationId xmlns:p14="http://schemas.microsoft.com/office/powerpoint/2010/main" val="2508455866"/>
+      </p:ext>
+    </p:extLst>
+  </p:cSld>
+  <p:clrMapOvr>
+    <a:masterClrMapping/>
+  </p:clrMapOvr>
+</p:sld>
+</file>
+
+<file path=ppt/slides/slide6.xml><?xml version="1.0" encoding="utf-8"?>
+<p:sld xmlns:a="http://schemas.openxmlformats.org/drawingml/2006/main" xmlns:r="http://schemas.openxmlformats.org/officeDocument/2006/relationships" xmlns:p="http://schemas.openxmlformats.org/presentationml/2006/main">
+  <p:cSld>
+    <p:spTree>
+      <p:nvGrpSpPr>
+        <p:cNvPr id="1" name=""/>
+        <p:cNvGrpSpPr/>
+        <p:nvPr/>
+      </p:nvGrpSpPr>
+      <p:grpSpPr>
+        <a:xfrm>
+          <a:off x="0" y="0"/>
+          <a:ext cx="0" cy="0"/>
+          <a:chOff x="0" y="0"/>
+          <a:chExt cx="0" cy="0"/>
+        </a:xfrm>
+      </p:grpSpPr>
+      <p:sp>
+        <p:nvSpPr>
+          <p:cNvPr id="2" name="Title 1">
+            <a:extLst>
+              <a:ext uri="{FF2B5EF4-FFF2-40B4-BE49-F238E27FC236}">
+                <a16:creationId xmlns:a16="http://schemas.microsoft.com/office/drawing/2014/main" id="{51B45F39-8C5F-EEB9-5657-AC1CA3381DC9}"/>
+              </a:ext>
+            </a:extLst>
+          </p:cNvPr>
+          <p:cNvSpPr>
+            <a:spLocks noGrp="1"/>
+          </p:cNvSpPr>
+          <p:nvPr>
+            <p:ph type="title"/>
+          </p:nvPr>
+        </p:nvSpPr>
+        <p:spPr>
+          <a:xfrm>
+            <a:off x="0" y="0"/>
+            <a:ext cx="12192000" cy="979714"/>
+          </a:xfrm>
+        </p:spPr>
+        <p:txBody>
+          <a:bodyPr/>
+          <a:lstStyle/>
+          <a:p>
+            <a:r>
+              <a:rPr lang="en-CN" dirty="0"/>
               <a:t>对象旋转方程</a:t>
             </a:r>
           </a:p>
         </p:txBody>
       </p:sp>
-      <mc:AlternateContent xmlns:mc="http://schemas.openxmlformats.org/markup-compatibility/2006">
-        <mc:Choice xmlns:a14="http://schemas.microsoft.com/office/drawing/2010/main" Requires="a14">
+      <mc:AlternateContent xmlns:mc="http://schemas.openxmlformats.org/markup-compatibility/2006" xmlns:a14="http://schemas.microsoft.com/office/drawing/2010/main">
+        <mc:Choice Requires="a14">
           <p:sp>
             <p:nvSpPr>
               <p:cNvPr id="4" name="TextBox 3">
@@ -5146,6 +5476,7 @@
               </a:bodyPr>
               <a:lstStyle/>
               <a:p>
+                <a:pPr/>
                 <a14:m>
                   <m:oMathPara xmlns:m="http://schemas.openxmlformats.org/officeDocument/2006/math">
                     <m:oMathParaPr>
@@ -5215,7 +5546,7 @@
             </p:txBody>
           </p:sp>
         </mc:Choice>
-        <mc:Fallback>
+        <mc:Fallback xmlns="">
           <p:sp>
             <p:nvSpPr>
               <p:cNvPr id="4" name="TextBox 3">
@@ -5343,7 +5674,7 @@
         <p:spPr>
           <a:xfrm>
             <a:off x="696000" y="2828835"/>
-            <a:ext cx="10800000" cy="1200329"/>
+            <a:ext cx="10800000" cy="3139321"/>
           </a:xfrm>
           <a:prstGeom prst="rect">
             <a:avLst/>
@@ -5496,6 +5827,89 @@
               </a:rPr>
               <a:t>可以用以下公式来表示：</a:t>
             </a:r>
+            <a:endParaRPr lang="en-US" altLang="zh-CN" dirty="0">
+              <a:solidFill>
+                <a:srgbClr val="374151"/>
+              </a:solidFill>
+              <a:latin typeface="Yuanti TC" panose="02010600040101010101" pitchFamily="2" charset="-120"/>
+              <a:ea typeface="Yuanti TC" panose="02010600040101010101" pitchFamily="2" charset="-120"/>
+            </a:endParaRPr>
+          </a:p>
+          <a:p>
+            <a:pPr algn="l"/>
+            <a:endParaRPr lang="en-US" altLang="zh-CN" b="0" i="0" dirty="0">
+              <a:solidFill>
+                <a:srgbClr val="374151"/>
+              </a:solidFill>
+              <a:effectLst/>
+              <a:latin typeface="Yuanti TC" panose="02010600040101010101" pitchFamily="2" charset="-120"/>
+              <a:ea typeface="Yuanti TC" panose="02010600040101010101" pitchFamily="2" charset="-120"/>
+            </a:endParaRPr>
+          </a:p>
+          <a:p>
+            <a:pPr algn="l"/>
+            <a:endParaRPr lang="en-US" altLang="zh-CN" dirty="0">
+              <a:solidFill>
+                <a:srgbClr val="374151"/>
+              </a:solidFill>
+              <a:latin typeface="Yuanti TC" panose="02010600040101010101" pitchFamily="2" charset="-120"/>
+              <a:ea typeface="Yuanti TC" panose="02010600040101010101" pitchFamily="2" charset="-120"/>
+            </a:endParaRPr>
+          </a:p>
+          <a:p>
+            <a:pPr algn="l"/>
+            <a:endParaRPr lang="en-US" altLang="zh-CN" b="0" i="0" dirty="0">
+              <a:solidFill>
+                <a:srgbClr val="374151"/>
+              </a:solidFill>
+              <a:effectLst/>
+              <a:latin typeface="Yuanti TC" panose="02010600040101010101" pitchFamily="2" charset="-120"/>
+              <a:ea typeface="Yuanti TC" panose="02010600040101010101" pitchFamily="2" charset="-120"/>
+            </a:endParaRPr>
+          </a:p>
+          <a:p>
+            <a:pPr algn="l"/>
+            <a:endParaRPr lang="en-US" altLang="zh-CN" dirty="0">
+              <a:solidFill>
+                <a:srgbClr val="374151"/>
+              </a:solidFill>
+              <a:latin typeface="Yuanti TC" panose="02010600040101010101" pitchFamily="2" charset="-120"/>
+              <a:ea typeface="Yuanti TC" panose="02010600040101010101" pitchFamily="2" charset="-120"/>
+            </a:endParaRPr>
+          </a:p>
+          <a:p>
+            <a:pPr algn="l"/>
+            <a:endParaRPr lang="en-US" altLang="zh-CN" b="0" i="0" dirty="0">
+              <a:solidFill>
+                <a:srgbClr val="374151"/>
+              </a:solidFill>
+              <a:effectLst/>
+              <a:latin typeface="Yuanti TC" panose="02010600040101010101" pitchFamily="2" charset="-120"/>
+              <a:ea typeface="Yuanti TC" panose="02010600040101010101" pitchFamily="2" charset="-120"/>
+            </a:endParaRPr>
+          </a:p>
+          <a:p>
+            <a:pPr algn="l"/>
+            <a:endParaRPr lang="en-US" altLang="zh-CN" dirty="0">
+              <a:solidFill>
+                <a:srgbClr val="374151"/>
+              </a:solidFill>
+              <a:latin typeface="Yuanti TC" panose="02010600040101010101" pitchFamily="2" charset="-120"/>
+              <a:ea typeface="Yuanti TC" panose="02010600040101010101" pitchFamily="2" charset="-120"/>
+            </a:endParaRPr>
+          </a:p>
+          <a:p>
+            <a:pPr algn="l"/>
+            <a:r>
+              <a:rPr lang="zh-CN" altLang="en-US" dirty="0">
+                <a:solidFill>
+                  <a:srgbClr val="374151"/>
+                </a:solidFill>
+                <a:latin typeface="Yuanti TC" panose="02010600040101010101" pitchFamily="2" charset="-120"/>
+                <a:ea typeface="Yuanti TC" panose="02010600040101010101" pitchFamily="2" charset="-120"/>
+              </a:rPr>
+              <a:t>最终具体表现为对象围绕自身中心作随头部镜像的旋转运动。</a:t>
+            </a:r>
             <a:endParaRPr lang="zh-CN" altLang="en-US" b="0" i="0" dirty="0">
               <a:solidFill>
                 <a:srgbClr val="374151"/>
@@ -5507,8 +5921,8 @@
           </a:p>
         </p:txBody>
       </p:sp>
-      <mc:AlternateContent xmlns:mc="http://schemas.openxmlformats.org/markup-compatibility/2006">
-        <mc:Choice xmlns:a14="http://schemas.microsoft.com/office/drawing/2010/main" Requires="a14">
+      <mc:AlternateContent xmlns:mc="http://schemas.openxmlformats.org/markup-compatibility/2006" xmlns:a14="http://schemas.microsoft.com/office/drawing/2010/main">
+        <mc:Choice Requires="a14">
           <p:sp>
             <p:nvSpPr>
               <p:cNvPr id="9" name="TextBox 8">
@@ -5537,6 +5951,7 @@
               </a:bodyPr>
               <a:lstStyle/>
               <a:p>
+                <a:pPr/>
                 <a14:m>
                   <m:oMathPara xmlns:m="http://schemas.openxmlformats.org/officeDocument/2006/math">
                     <m:oMathParaPr>
@@ -5600,7 +6015,7 @@
             </p:txBody>
           </p:sp>
         </mc:Choice>
-        <mc:Fallback>
+        <mc:Fallback xmlns="">
           <p:sp>
             <p:nvSpPr>
               <p:cNvPr id="9" name="TextBox 8">
@@ -5658,7 +6073,7 @@
 </p:sld>
 </file>
 
-<file path=ppt/slides/slide6.xml><?xml version="1.0" encoding="utf-8"?>
+<file path=ppt/slides/slide7.xml><?xml version="1.0" encoding="utf-8"?>
 <p:sld xmlns:a="http://schemas.openxmlformats.org/drawingml/2006/main" xmlns:r="http://schemas.openxmlformats.org/officeDocument/2006/relationships" xmlns:p="http://schemas.openxmlformats.org/presentationml/2006/main">
   <p:cSld>
     <p:spTree>
@@ -5703,7 +6118,7 @@
           <a:p>
             <a:r>
               <a:rPr lang="en-CN" dirty="0"/>
-              <a:t>对象旋转方程</a:t>
+              <a:t>对象旋转代码</a:t>
             </a:r>
           </a:p>
         </p:txBody>
@@ -5750,7 +6165,7 @@
                 <a:latin typeface="Courier New" panose="02070309020205020404" pitchFamily="49" charset="0"/>
                 <a:cs typeface="Courier New" panose="02070309020205020404" pitchFamily="49" charset="0"/>
               </a:rPr>
-              <a:t>	xAxisRotation = INPUT_DEVICE.GetAxis(“x”) * rotationSpeed;</a:t>
+              <a:t>	xAxisRotation = INPUT_DEVICE.GetAxis(“x”) * rotationCoefficient;</a:t>
             </a:r>
           </a:p>
           <a:p>
@@ -5759,7 +6174,7 @@
                 <a:latin typeface="Courier New" panose="02070309020205020404" pitchFamily="49" charset="0"/>
                 <a:cs typeface="Courier New" panose="02070309020205020404" pitchFamily="49" charset="0"/>
               </a:rPr>
-              <a:t>	yAxisRotation = INPUT_DEVICE.GetAxis(“y”) * rotationSpeed;</a:t>
+              <a:t>	yAxisRotation = INPUT_DEVICE.GetAxis(“y”) * rotationCoefficient;</a:t>
             </a:r>
           </a:p>
           <a:p>
@@ -5985,7 +6400,7 @@
 </p:sld>
 </file>
 
-<file path=ppt/slides/slide7.xml><?xml version="1.0" encoding="utf-8"?>
+<file path=ppt/slides/slide8.xml><?xml version="1.0" encoding="utf-8"?>
 <p:sld xmlns:a="http://schemas.openxmlformats.org/drawingml/2006/main" xmlns:r="http://schemas.openxmlformats.org/officeDocument/2006/relationships" xmlns:p="http://schemas.openxmlformats.org/presentationml/2006/main">
   <p:cSld>
     <p:spTree>
@@ -6050,7 +6465,7 @@
         <p:spPr>
           <a:xfrm>
             <a:off x="696000" y="1493679"/>
-            <a:ext cx="10800000" cy="369332"/>
+            <a:ext cx="10800000" cy="3139321"/>
           </a:xfrm>
           <a:prstGeom prst="rect">
             <a:avLst/>
@@ -6117,6 +6532,107 @@
                 <a:ea typeface="Yuanti TC" panose="02010600040101010101" pitchFamily="2" charset="-120"/>
               </a:rPr>
               <a:t>内可以用以下公式来表示对象物体的跟随缩放：</a:t>
+            </a:r>
+            <a:endParaRPr lang="en-US" altLang="zh-CN" b="0" i="0" dirty="0">
+              <a:solidFill>
+                <a:srgbClr val="374151"/>
+              </a:solidFill>
+              <a:effectLst/>
+              <a:latin typeface="Yuanti TC" panose="02010600040101010101" pitchFamily="2" charset="-120"/>
+              <a:ea typeface="Yuanti TC" panose="02010600040101010101" pitchFamily="2" charset="-120"/>
+            </a:endParaRPr>
+          </a:p>
+          <a:p>
+            <a:endParaRPr lang="en-US" dirty="0">
+              <a:solidFill>
+                <a:srgbClr val="374151"/>
+              </a:solidFill>
+              <a:latin typeface="Yuanti TC" panose="02010600040101010101" pitchFamily="2" charset="-120"/>
+              <a:ea typeface="Yuanti TC" panose="02010600040101010101" pitchFamily="2" charset="-120"/>
+            </a:endParaRPr>
+          </a:p>
+          <a:p>
+            <a:endParaRPr lang="en-US" dirty="0">
+              <a:solidFill>
+                <a:srgbClr val="374151"/>
+              </a:solidFill>
+              <a:latin typeface="Yuanti TC" panose="02010600040101010101" pitchFamily="2" charset="-120"/>
+              <a:ea typeface="Yuanti TC" panose="02010600040101010101" pitchFamily="2" charset="-120"/>
+            </a:endParaRPr>
+          </a:p>
+          <a:p>
+            <a:endParaRPr lang="en-US" dirty="0">
+              <a:solidFill>
+                <a:srgbClr val="374151"/>
+              </a:solidFill>
+              <a:latin typeface="Yuanti TC" panose="02010600040101010101" pitchFamily="2" charset="-120"/>
+              <a:ea typeface="Yuanti TC" panose="02010600040101010101" pitchFamily="2" charset="-120"/>
+            </a:endParaRPr>
+          </a:p>
+          <a:p>
+            <a:endParaRPr lang="en-US" dirty="0">
+              <a:solidFill>
+                <a:srgbClr val="374151"/>
+              </a:solidFill>
+              <a:latin typeface="Yuanti TC" panose="02010600040101010101" pitchFamily="2" charset="-120"/>
+              <a:ea typeface="Yuanti TC" panose="02010600040101010101" pitchFamily="2" charset="-120"/>
+            </a:endParaRPr>
+          </a:p>
+          <a:p>
+            <a:endParaRPr lang="en-US" dirty="0">
+              <a:solidFill>
+                <a:srgbClr val="374151"/>
+              </a:solidFill>
+              <a:latin typeface="Yuanti TC" panose="02010600040101010101" pitchFamily="2" charset="-120"/>
+              <a:ea typeface="Yuanti TC" panose="02010600040101010101" pitchFamily="2" charset="-120"/>
+            </a:endParaRPr>
+          </a:p>
+          <a:p>
+            <a:endParaRPr lang="en-US" dirty="0">
+              <a:solidFill>
+                <a:srgbClr val="374151"/>
+              </a:solidFill>
+              <a:latin typeface="Yuanti TC" panose="02010600040101010101" pitchFamily="2" charset="-120"/>
+              <a:ea typeface="Yuanti TC" panose="02010600040101010101" pitchFamily="2" charset="-120"/>
+            </a:endParaRPr>
+          </a:p>
+          <a:p>
+            <a:endParaRPr lang="en-US" dirty="0">
+              <a:solidFill>
+                <a:srgbClr val="374151"/>
+              </a:solidFill>
+              <a:latin typeface="Yuanti TC" panose="02010600040101010101" pitchFamily="2" charset="-120"/>
+              <a:ea typeface="Yuanti TC" panose="02010600040101010101" pitchFamily="2" charset="-120"/>
+            </a:endParaRPr>
+          </a:p>
+          <a:p>
+            <a:endParaRPr lang="en-US" dirty="0">
+              <a:solidFill>
+                <a:srgbClr val="374151"/>
+              </a:solidFill>
+              <a:latin typeface="Yuanti TC" panose="02010600040101010101" pitchFamily="2" charset="-120"/>
+              <a:ea typeface="Yuanti TC" panose="02010600040101010101" pitchFamily="2" charset="-120"/>
+            </a:endParaRPr>
+          </a:p>
+          <a:p>
+            <a:endParaRPr lang="en-US" dirty="0">
+              <a:solidFill>
+                <a:srgbClr val="374151"/>
+              </a:solidFill>
+              <a:latin typeface="Yuanti TC" panose="02010600040101010101" pitchFamily="2" charset="-120"/>
+              <a:ea typeface="Yuanti TC" panose="02010600040101010101" pitchFamily="2" charset="-120"/>
+            </a:endParaRPr>
+          </a:p>
+          <a:p>
+            <a:r>
+              <a:rPr lang="zh-CN" altLang="en-US" dirty="0">
+                <a:solidFill>
+                  <a:srgbClr val="374151"/>
+                </a:solidFill>
+                <a:latin typeface="Yuanti TC" panose="02010600040101010101" pitchFamily="2" charset="-120"/>
+                <a:ea typeface="Yuanti TC" panose="02010600040101010101" pitchFamily="2" charset="-120"/>
+              </a:rPr>
+              <a:t>最终具体表现为对象随头部旋转方向缩放。</a:t>
             </a:r>
             <a:endParaRPr lang="en-CN" dirty="0">
               <a:latin typeface="Yuanti TC" panose="02010600040101010101" pitchFamily="2" charset="-120"/>
@@ -6139,14 +6655,14 @@
         </p:nvGrpSpPr>
         <p:grpSpPr>
           <a:xfrm>
-            <a:off x="1470437" y="2936534"/>
+            <a:off x="1470437" y="2223103"/>
             <a:ext cx="9251126" cy="1572162"/>
             <a:chOff x="842640" y="2379242"/>
             <a:chExt cx="9251126" cy="1572162"/>
           </a:xfrm>
         </p:grpSpPr>
-        <mc:AlternateContent xmlns:mc="http://schemas.openxmlformats.org/markup-compatibility/2006">
-          <mc:Choice xmlns:a14="http://schemas.microsoft.com/office/drawing/2010/main" Requires="a14">
+        <mc:AlternateContent xmlns:mc="http://schemas.openxmlformats.org/markup-compatibility/2006" xmlns:a14="http://schemas.microsoft.com/office/drawing/2010/main">
+          <mc:Choice Requires="a14">
             <p:sp>
               <p:nvSpPr>
                 <p:cNvPr id="4" name="TextBox 3">
@@ -6355,7 +6871,7 @@
               </p:txBody>
             </p:sp>
           </mc:Choice>
-          <mc:Fallback>
+          <mc:Fallback xmlns="">
             <p:sp>
               <p:nvSpPr>
                 <p:cNvPr id="4" name="TextBox 3">
@@ -6400,8 +6916,8 @@
             </p:sp>
           </mc:Fallback>
         </mc:AlternateContent>
-        <mc:AlternateContent xmlns:mc="http://schemas.openxmlformats.org/markup-compatibility/2006">
-          <mc:Choice xmlns:a14="http://schemas.microsoft.com/office/drawing/2010/main" Requires="a14">
+        <mc:AlternateContent xmlns:mc="http://schemas.openxmlformats.org/markup-compatibility/2006" xmlns:a14="http://schemas.microsoft.com/office/drawing/2010/main">
+          <mc:Choice Requires="a14">
             <p:sp>
               <p:nvSpPr>
                 <p:cNvPr id="6" name="TextBox 5">
@@ -6511,7 +7027,7 @@
               </p:txBody>
             </p:sp>
           </mc:Choice>
-          <mc:Fallback>
+          <mc:Fallback xmlns="">
             <p:sp>
               <p:nvSpPr>
                 <p:cNvPr id="6" name="TextBox 5">
@@ -6557,6 +7073,80 @@
           </mc:Fallback>
         </mc:AlternateContent>
       </p:grpSp>
+      <p:sp>
+        <p:nvSpPr>
+          <p:cNvPr id="3" name="TextBox 2">
+            <a:extLst>
+              <a:ext uri="{FF2B5EF4-FFF2-40B4-BE49-F238E27FC236}">
+                <a16:creationId xmlns:a16="http://schemas.microsoft.com/office/drawing/2014/main" id="{59675D8D-5F5B-FBF3-EEBA-6CD7FF39002F}"/>
+              </a:ext>
+            </a:extLst>
+          </p:cNvPr>
+          <p:cNvSpPr txBox="1"/>
+          <p:nvPr/>
+        </p:nvSpPr>
+        <p:spPr>
+          <a:xfrm>
+            <a:off x="696000" y="5362424"/>
+            <a:ext cx="10360800" cy="923330"/>
+          </a:xfrm>
+          <a:prstGeom prst="rect">
+            <a:avLst/>
+          </a:prstGeom>
+          <a:noFill/>
+        </p:spPr>
+        <p:txBody>
+          <a:bodyPr wrap="square" rtlCol="0">
+            <a:spAutoFit/>
+          </a:bodyPr>
+          <a:lstStyle/>
+          <a:p>
+            <a:r>
+              <a:rPr lang="en-CN" b="1" dirty="0">
+                <a:latin typeface="Courier New" panose="02070309020205020404" pitchFamily="49" charset="0"/>
+                <a:cs typeface="Courier New" panose="02070309020205020404" pitchFamily="49" charset="0"/>
+              </a:rPr>
+              <a:t>Function HeadBasedRescaling():</a:t>
+            </a:r>
+          </a:p>
+          <a:p>
+            <a:r>
+              <a:rPr lang="en-CN" b="1" dirty="0">
+                <a:latin typeface="Courier New" panose="02070309020205020404" pitchFamily="49" charset="0"/>
+                <a:cs typeface="Courier New" panose="02070309020205020404" pitchFamily="49" charset="0"/>
+              </a:rPr>
+              <a:t>	rescaling = INPUT_DEVICE.GetAxis(“x”) / rescalingCoefficient</a:t>
+            </a:r>
+          </a:p>
+          <a:p>
+            <a:r>
+              <a:rPr lang="en-CN" b="1" dirty="0">
+                <a:latin typeface="Courier New" panose="02070309020205020404" pitchFamily="49" charset="0"/>
+                <a:cs typeface="Courier New" panose="02070309020205020404" pitchFamily="49" charset="0"/>
+              </a:rPr>
+              <a:t>	OBJECT.</a:t>
+            </a:r>
+            <a:r>
+              <a:rPr lang="en-US" b="1" dirty="0" err="1">
+                <a:latin typeface="Courier New" panose="02070309020205020404" pitchFamily="49" charset="0"/>
+                <a:cs typeface="Courier New" panose="02070309020205020404" pitchFamily="49" charset="0"/>
+              </a:rPr>
+              <a:t>transform.localScale</a:t>
+            </a:r>
+            <a:r>
+              <a:rPr lang="en-US" b="1" dirty="0">
+                <a:latin typeface="Courier New" panose="02070309020205020404" pitchFamily="49" charset="0"/>
+                <a:cs typeface="Courier New" panose="02070309020205020404" pitchFamily="49" charset="0"/>
+              </a:rPr>
+              <a:t> *= 1 + rescaling;</a:t>
+            </a:r>
+            <a:endParaRPr lang="en-CN" b="1" dirty="0">
+              <a:latin typeface="Courier New" panose="02070309020205020404" pitchFamily="49" charset="0"/>
+              <a:cs typeface="Courier New" panose="02070309020205020404" pitchFamily="49" charset="0"/>
+            </a:endParaRPr>
+          </a:p>
+        </p:txBody>
+      </p:sp>
     </p:spTree>
     <p:extLst>
       <p:ext uri="{BB962C8B-B14F-4D97-AF65-F5344CB8AC3E}">
